--- a/Slide/Slide Alby.pptx
+++ b/Slide/Slide Alby.pptx
@@ -22,14 +22,14 @@
     <p:sldId id="270" r:id="rId16"/>
     <p:sldId id="271" r:id="rId17"/>
     <p:sldId id="272" r:id="rId18"/>
-    <p:sldId id="273" r:id="rId19"/>
-    <p:sldId id="274" r:id="rId20"/>
-    <p:sldId id="275" r:id="rId21"/>
-    <p:sldId id="276" r:id="rId22"/>
-    <p:sldId id="277" r:id="rId23"/>
-    <p:sldId id="278" r:id="rId24"/>
-    <p:sldId id="279" r:id="rId25"/>
-    <p:sldId id="280" r:id="rId26"/>
+    <p:sldId id="282" r:id="rId19"/>
+    <p:sldId id="273" r:id="rId20"/>
+    <p:sldId id="274" r:id="rId21"/>
+    <p:sldId id="275" r:id="rId22"/>
+    <p:sldId id="276" r:id="rId23"/>
+    <p:sldId id="277" r:id="rId24"/>
+    <p:sldId id="278" r:id="rId25"/>
+    <p:sldId id="279" r:id="rId26"/>
   </p:sldIdLst>
   <p:sldSz cx="12192000" cy="6858000"/>
   <p:notesSz cx="6858000" cy="9144000"/>
@@ -128,6 +128,11 @@
       </a:defRPr>
     </a:lvl9pPr>
   </p:defaultTextStyle>
+  <p:extLst>
+    <p:ext uri="{EFAFB233-063F-42B5-8137-9DF3F51BA10A}">
+      <p15:sldGuideLst xmlns:p15="http://schemas.microsoft.com/office/powerpoint/2012/main"/>
+    </p:ext>
+  </p:extLst>
 </p:presentation>
 </file>
 
@@ -8645,11 +8650,19 @@
           <a:p>
             <a:r>
               <a:rPr lang="it-IT" dirty="0" smtClean="0"/>
-              <a:t>Tecnologie web </a:t>
+              <a:t>Tecnologie </a:t>
             </a:r>
             <a:r>
-              <a:rPr lang="it-IT" dirty="0" err="1" smtClean="0"/>
-              <a:t>application</a:t>
+              <a:rPr lang="it-IT" dirty="0" smtClean="0"/>
+              <a:t>Web </a:t>
+            </a:r>
+            <a:r>
+              <a:rPr lang="it-IT" dirty="0"/>
+              <a:t>A</a:t>
+            </a:r>
+            <a:r>
+              <a:rPr lang="it-IT" dirty="0" smtClean="0"/>
+              <a:t>pplication</a:t>
             </a:r>
             <a:endParaRPr lang="it-IT" dirty="0"/>
           </a:p>
@@ -9279,7 +9292,720 @@
   <p:timing>
     <p:tnLst>
       <p:par>
-        <p:cTn id="1" dur="indefinite" restart="never" nodeType="tmRoot"/>
+        <p:cTn id="1" dur="indefinite" restart="never" nodeType="tmRoot">
+          <p:childTnLst>
+            <p:seq concurrent="1" nextAc="seek">
+              <p:cTn id="2" dur="indefinite" nodeType="mainSeq">
+                <p:childTnLst>
+                  <p:par>
+                    <p:cTn id="3" fill="hold">
+                      <p:stCondLst>
+                        <p:cond delay="indefinite"/>
+                      </p:stCondLst>
+                      <p:childTnLst>
+                        <p:par>
+                          <p:cTn id="4" fill="hold">
+                            <p:stCondLst>
+                              <p:cond delay="0"/>
+                            </p:stCondLst>
+                            <p:childTnLst>
+                              <p:par>
+                                <p:cTn id="5" presetID="42" presetClass="entr" presetSubtype="0" fill="hold" nodeType="clickEffect">
+                                  <p:stCondLst>
+                                    <p:cond delay="0"/>
+                                  </p:stCondLst>
+                                  <p:childTnLst>
+                                    <p:set>
+                                      <p:cBhvr>
+                                        <p:cTn id="6" dur="1" fill="hold">
+                                          <p:stCondLst>
+                                            <p:cond delay="0"/>
+                                          </p:stCondLst>
+                                        </p:cTn>
+                                        <p:tgtEl>
+                                          <p:spTgt spid="3">
+                                            <p:txEl>
+                                              <p:pRg st="0" end="0"/>
+                                            </p:txEl>
+                                          </p:spTgt>
+                                        </p:tgtEl>
+                                        <p:attrNameLst>
+                                          <p:attrName>style.visibility</p:attrName>
+                                        </p:attrNameLst>
+                                      </p:cBhvr>
+                                      <p:to>
+                                        <p:strVal val="visible"/>
+                                      </p:to>
+                                    </p:set>
+                                    <p:animEffect transition="in" filter="fade">
+                                      <p:cBhvr>
+                                        <p:cTn id="7" dur="500"/>
+                                        <p:tgtEl>
+                                          <p:spTgt spid="3">
+                                            <p:txEl>
+                                              <p:pRg st="0" end="0"/>
+                                            </p:txEl>
+                                          </p:spTgt>
+                                        </p:tgtEl>
+                                      </p:cBhvr>
+                                    </p:animEffect>
+                                    <p:anim calcmode="lin" valueType="num">
+                                      <p:cBhvr>
+                                        <p:cTn id="8" dur="500" fill="hold"/>
+                                        <p:tgtEl>
+                                          <p:spTgt spid="3">
+                                            <p:txEl>
+                                              <p:pRg st="0" end="0"/>
+                                            </p:txEl>
+                                          </p:spTgt>
+                                        </p:tgtEl>
+                                        <p:attrNameLst>
+                                          <p:attrName>ppt_x</p:attrName>
+                                        </p:attrNameLst>
+                                      </p:cBhvr>
+                                      <p:tavLst>
+                                        <p:tav tm="0">
+                                          <p:val>
+                                            <p:strVal val="#ppt_x"/>
+                                          </p:val>
+                                        </p:tav>
+                                        <p:tav tm="100000">
+                                          <p:val>
+                                            <p:strVal val="#ppt_x"/>
+                                          </p:val>
+                                        </p:tav>
+                                      </p:tavLst>
+                                    </p:anim>
+                                    <p:anim calcmode="lin" valueType="num">
+                                      <p:cBhvr>
+                                        <p:cTn id="9" dur="500" fill="hold"/>
+                                        <p:tgtEl>
+                                          <p:spTgt spid="3">
+                                            <p:txEl>
+                                              <p:pRg st="0" end="0"/>
+                                            </p:txEl>
+                                          </p:spTgt>
+                                        </p:tgtEl>
+                                        <p:attrNameLst>
+                                          <p:attrName>ppt_y</p:attrName>
+                                        </p:attrNameLst>
+                                      </p:cBhvr>
+                                      <p:tavLst>
+                                        <p:tav tm="0">
+                                          <p:val>
+                                            <p:strVal val="#ppt_y+.1"/>
+                                          </p:val>
+                                        </p:tav>
+                                        <p:tav tm="100000">
+                                          <p:val>
+                                            <p:strVal val="#ppt_y"/>
+                                          </p:val>
+                                        </p:tav>
+                                      </p:tavLst>
+                                    </p:anim>
+                                  </p:childTnLst>
+                                </p:cTn>
+                              </p:par>
+                            </p:childTnLst>
+                          </p:cTn>
+                        </p:par>
+                      </p:childTnLst>
+                    </p:cTn>
+                  </p:par>
+                  <p:par>
+                    <p:cTn id="10" fill="hold">
+                      <p:stCondLst>
+                        <p:cond delay="indefinite"/>
+                      </p:stCondLst>
+                      <p:childTnLst>
+                        <p:par>
+                          <p:cTn id="11" fill="hold">
+                            <p:stCondLst>
+                              <p:cond delay="0"/>
+                            </p:stCondLst>
+                            <p:childTnLst>
+                              <p:par>
+                                <p:cTn id="12" presetID="42" presetClass="entr" presetSubtype="0" fill="hold" nodeType="clickEffect">
+                                  <p:stCondLst>
+                                    <p:cond delay="0"/>
+                                  </p:stCondLst>
+                                  <p:childTnLst>
+                                    <p:set>
+                                      <p:cBhvr>
+                                        <p:cTn id="13" dur="1" fill="hold">
+                                          <p:stCondLst>
+                                            <p:cond delay="0"/>
+                                          </p:stCondLst>
+                                        </p:cTn>
+                                        <p:tgtEl>
+                                          <p:spTgt spid="3">
+                                            <p:txEl>
+                                              <p:pRg st="1" end="1"/>
+                                            </p:txEl>
+                                          </p:spTgt>
+                                        </p:tgtEl>
+                                        <p:attrNameLst>
+                                          <p:attrName>style.visibility</p:attrName>
+                                        </p:attrNameLst>
+                                      </p:cBhvr>
+                                      <p:to>
+                                        <p:strVal val="visible"/>
+                                      </p:to>
+                                    </p:set>
+                                    <p:animEffect transition="in" filter="fade">
+                                      <p:cBhvr>
+                                        <p:cTn id="14" dur="500"/>
+                                        <p:tgtEl>
+                                          <p:spTgt spid="3">
+                                            <p:txEl>
+                                              <p:pRg st="1" end="1"/>
+                                            </p:txEl>
+                                          </p:spTgt>
+                                        </p:tgtEl>
+                                      </p:cBhvr>
+                                    </p:animEffect>
+                                    <p:anim calcmode="lin" valueType="num">
+                                      <p:cBhvr>
+                                        <p:cTn id="15" dur="500" fill="hold"/>
+                                        <p:tgtEl>
+                                          <p:spTgt spid="3">
+                                            <p:txEl>
+                                              <p:pRg st="1" end="1"/>
+                                            </p:txEl>
+                                          </p:spTgt>
+                                        </p:tgtEl>
+                                        <p:attrNameLst>
+                                          <p:attrName>ppt_x</p:attrName>
+                                        </p:attrNameLst>
+                                      </p:cBhvr>
+                                      <p:tavLst>
+                                        <p:tav tm="0">
+                                          <p:val>
+                                            <p:strVal val="#ppt_x"/>
+                                          </p:val>
+                                        </p:tav>
+                                        <p:tav tm="100000">
+                                          <p:val>
+                                            <p:strVal val="#ppt_x"/>
+                                          </p:val>
+                                        </p:tav>
+                                      </p:tavLst>
+                                    </p:anim>
+                                    <p:anim calcmode="lin" valueType="num">
+                                      <p:cBhvr>
+                                        <p:cTn id="16" dur="500" fill="hold"/>
+                                        <p:tgtEl>
+                                          <p:spTgt spid="3">
+                                            <p:txEl>
+                                              <p:pRg st="1" end="1"/>
+                                            </p:txEl>
+                                          </p:spTgt>
+                                        </p:tgtEl>
+                                        <p:attrNameLst>
+                                          <p:attrName>ppt_y</p:attrName>
+                                        </p:attrNameLst>
+                                      </p:cBhvr>
+                                      <p:tavLst>
+                                        <p:tav tm="0">
+                                          <p:val>
+                                            <p:strVal val="#ppt_y+.1"/>
+                                          </p:val>
+                                        </p:tav>
+                                        <p:tav tm="100000">
+                                          <p:val>
+                                            <p:strVal val="#ppt_y"/>
+                                          </p:val>
+                                        </p:tav>
+                                      </p:tavLst>
+                                    </p:anim>
+                                  </p:childTnLst>
+                                </p:cTn>
+                              </p:par>
+                            </p:childTnLst>
+                          </p:cTn>
+                        </p:par>
+                      </p:childTnLst>
+                    </p:cTn>
+                  </p:par>
+                  <p:par>
+                    <p:cTn id="17" fill="hold">
+                      <p:stCondLst>
+                        <p:cond delay="indefinite"/>
+                      </p:stCondLst>
+                      <p:childTnLst>
+                        <p:par>
+                          <p:cTn id="18" fill="hold">
+                            <p:stCondLst>
+                              <p:cond delay="0"/>
+                            </p:stCondLst>
+                            <p:childTnLst>
+                              <p:par>
+                                <p:cTn id="19" presetID="42" presetClass="entr" presetSubtype="0" fill="hold" nodeType="clickEffect">
+                                  <p:stCondLst>
+                                    <p:cond delay="0"/>
+                                  </p:stCondLst>
+                                  <p:childTnLst>
+                                    <p:set>
+                                      <p:cBhvr>
+                                        <p:cTn id="20" dur="1" fill="hold">
+                                          <p:stCondLst>
+                                            <p:cond delay="0"/>
+                                          </p:stCondLst>
+                                        </p:cTn>
+                                        <p:tgtEl>
+                                          <p:spTgt spid="3">
+                                            <p:txEl>
+                                              <p:pRg st="2" end="2"/>
+                                            </p:txEl>
+                                          </p:spTgt>
+                                        </p:tgtEl>
+                                        <p:attrNameLst>
+                                          <p:attrName>style.visibility</p:attrName>
+                                        </p:attrNameLst>
+                                      </p:cBhvr>
+                                      <p:to>
+                                        <p:strVal val="visible"/>
+                                      </p:to>
+                                    </p:set>
+                                    <p:animEffect transition="in" filter="fade">
+                                      <p:cBhvr>
+                                        <p:cTn id="21" dur="500"/>
+                                        <p:tgtEl>
+                                          <p:spTgt spid="3">
+                                            <p:txEl>
+                                              <p:pRg st="2" end="2"/>
+                                            </p:txEl>
+                                          </p:spTgt>
+                                        </p:tgtEl>
+                                      </p:cBhvr>
+                                    </p:animEffect>
+                                    <p:anim calcmode="lin" valueType="num">
+                                      <p:cBhvr>
+                                        <p:cTn id="22" dur="500" fill="hold"/>
+                                        <p:tgtEl>
+                                          <p:spTgt spid="3">
+                                            <p:txEl>
+                                              <p:pRg st="2" end="2"/>
+                                            </p:txEl>
+                                          </p:spTgt>
+                                        </p:tgtEl>
+                                        <p:attrNameLst>
+                                          <p:attrName>ppt_x</p:attrName>
+                                        </p:attrNameLst>
+                                      </p:cBhvr>
+                                      <p:tavLst>
+                                        <p:tav tm="0">
+                                          <p:val>
+                                            <p:strVal val="#ppt_x"/>
+                                          </p:val>
+                                        </p:tav>
+                                        <p:tav tm="100000">
+                                          <p:val>
+                                            <p:strVal val="#ppt_x"/>
+                                          </p:val>
+                                        </p:tav>
+                                      </p:tavLst>
+                                    </p:anim>
+                                    <p:anim calcmode="lin" valueType="num">
+                                      <p:cBhvr>
+                                        <p:cTn id="23" dur="500" fill="hold"/>
+                                        <p:tgtEl>
+                                          <p:spTgt spid="3">
+                                            <p:txEl>
+                                              <p:pRg st="2" end="2"/>
+                                            </p:txEl>
+                                          </p:spTgt>
+                                        </p:tgtEl>
+                                        <p:attrNameLst>
+                                          <p:attrName>ppt_y</p:attrName>
+                                        </p:attrNameLst>
+                                      </p:cBhvr>
+                                      <p:tavLst>
+                                        <p:tav tm="0">
+                                          <p:val>
+                                            <p:strVal val="#ppt_y+.1"/>
+                                          </p:val>
+                                        </p:tav>
+                                        <p:tav tm="100000">
+                                          <p:val>
+                                            <p:strVal val="#ppt_y"/>
+                                          </p:val>
+                                        </p:tav>
+                                      </p:tavLst>
+                                    </p:anim>
+                                  </p:childTnLst>
+                                </p:cTn>
+                              </p:par>
+                            </p:childTnLst>
+                          </p:cTn>
+                        </p:par>
+                      </p:childTnLst>
+                    </p:cTn>
+                  </p:par>
+                  <p:par>
+                    <p:cTn id="24" fill="hold">
+                      <p:stCondLst>
+                        <p:cond delay="indefinite"/>
+                      </p:stCondLst>
+                      <p:childTnLst>
+                        <p:par>
+                          <p:cTn id="25" fill="hold">
+                            <p:stCondLst>
+                              <p:cond delay="0"/>
+                            </p:stCondLst>
+                            <p:childTnLst>
+                              <p:par>
+                                <p:cTn id="26" presetID="42" presetClass="entr" presetSubtype="0" fill="hold" nodeType="clickEffect">
+                                  <p:stCondLst>
+                                    <p:cond delay="0"/>
+                                  </p:stCondLst>
+                                  <p:childTnLst>
+                                    <p:set>
+                                      <p:cBhvr>
+                                        <p:cTn id="27" dur="1" fill="hold">
+                                          <p:stCondLst>
+                                            <p:cond delay="0"/>
+                                          </p:stCondLst>
+                                        </p:cTn>
+                                        <p:tgtEl>
+                                          <p:spTgt spid="3">
+                                            <p:txEl>
+                                              <p:pRg st="3" end="3"/>
+                                            </p:txEl>
+                                          </p:spTgt>
+                                        </p:tgtEl>
+                                        <p:attrNameLst>
+                                          <p:attrName>style.visibility</p:attrName>
+                                        </p:attrNameLst>
+                                      </p:cBhvr>
+                                      <p:to>
+                                        <p:strVal val="visible"/>
+                                      </p:to>
+                                    </p:set>
+                                    <p:animEffect transition="in" filter="fade">
+                                      <p:cBhvr>
+                                        <p:cTn id="28" dur="500"/>
+                                        <p:tgtEl>
+                                          <p:spTgt spid="3">
+                                            <p:txEl>
+                                              <p:pRg st="3" end="3"/>
+                                            </p:txEl>
+                                          </p:spTgt>
+                                        </p:tgtEl>
+                                      </p:cBhvr>
+                                    </p:animEffect>
+                                    <p:anim calcmode="lin" valueType="num">
+                                      <p:cBhvr>
+                                        <p:cTn id="29" dur="500" fill="hold"/>
+                                        <p:tgtEl>
+                                          <p:spTgt spid="3">
+                                            <p:txEl>
+                                              <p:pRg st="3" end="3"/>
+                                            </p:txEl>
+                                          </p:spTgt>
+                                        </p:tgtEl>
+                                        <p:attrNameLst>
+                                          <p:attrName>ppt_x</p:attrName>
+                                        </p:attrNameLst>
+                                      </p:cBhvr>
+                                      <p:tavLst>
+                                        <p:tav tm="0">
+                                          <p:val>
+                                            <p:strVal val="#ppt_x"/>
+                                          </p:val>
+                                        </p:tav>
+                                        <p:tav tm="100000">
+                                          <p:val>
+                                            <p:strVal val="#ppt_x"/>
+                                          </p:val>
+                                        </p:tav>
+                                      </p:tavLst>
+                                    </p:anim>
+                                    <p:anim calcmode="lin" valueType="num">
+                                      <p:cBhvr>
+                                        <p:cTn id="30" dur="500" fill="hold"/>
+                                        <p:tgtEl>
+                                          <p:spTgt spid="3">
+                                            <p:txEl>
+                                              <p:pRg st="3" end="3"/>
+                                            </p:txEl>
+                                          </p:spTgt>
+                                        </p:tgtEl>
+                                        <p:attrNameLst>
+                                          <p:attrName>ppt_y</p:attrName>
+                                        </p:attrNameLst>
+                                      </p:cBhvr>
+                                      <p:tavLst>
+                                        <p:tav tm="0">
+                                          <p:val>
+                                            <p:strVal val="#ppt_y+.1"/>
+                                          </p:val>
+                                        </p:tav>
+                                        <p:tav tm="100000">
+                                          <p:val>
+                                            <p:strVal val="#ppt_y"/>
+                                          </p:val>
+                                        </p:tav>
+                                      </p:tavLst>
+                                    </p:anim>
+                                  </p:childTnLst>
+                                </p:cTn>
+                              </p:par>
+                            </p:childTnLst>
+                          </p:cTn>
+                        </p:par>
+                      </p:childTnLst>
+                    </p:cTn>
+                  </p:par>
+                  <p:par>
+                    <p:cTn id="31" fill="hold">
+                      <p:stCondLst>
+                        <p:cond delay="indefinite"/>
+                      </p:stCondLst>
+                      <p:childTnLst>
+                        <p:par>
+                          <p:cTn id="32" fill="hold">
+                            <p:stCondLst>
+                              <p:cond delay="0"/>
+                            </p:stCondLst>
+                            <p:childTnLst>
+                              <p:par>
+                                <p:cTn id="33" presetID="42" presetClass="entr" presetSubtype="0" fill="hold" nodeType="clickEffect">
+                                  <p:stCondLst>
+                                    <p:cond delay="0"/>
+                                  </p:stCondLst>
+                                  <p:childTnLst>
+                                    <p:set>
+                                      <p:cBhvr>
+                                        <p:cTn id="34" dur="1" fill="hold">
+                                          <p:stCondLst>
+                                            <p:cond delay="0"/>
+                                          </p:stCondLst>
+                                        </p:cTn>
+                                        <p:tgtEl>
+                                          <p:spTgt spid="3">
+                                            <p:txEl>
+                                              <p:pRg st="4" end="4"/>
+                                            </p:txEl>
+                                          </p:spTgt>
+                                        </p:tgtEl>
+                                        <p:attrNameLst>
+                                          <p:attrName>style.visibility</p:attrName>
+                                        </p:attrNameLst>
+                                      </p:cBhvr>
+                                      <p:to>
+                                        <p:strVal val="visible"/>
+                                      </p:to>
+                                    </p:set>
+                                    <p:animEffect transition="in" filter="fade">
+                                      <p:cBhvr>
+                                        <p:cTn id="35" dur="500"/>
+                                        <p:tgtEl>
+                                          <p:spTgt spid="3">
+                                            <p:txEl>
+                                              <p:pRg st="4" end="4"/>
+                                            </p:txEl>
+                                          </p:spTgt>
+                                        </p:tgtEl>
+                                      </p:cBhvr>
+                                    </p:animEffect>
+                                    <p:anim calcmode="lin" valueType="num">
+                                      <p:cBhvr>
+                                        <p:cTn id="36" dur="500" fill="hold"/>
+                                        <p:tgtEl>
+                                          <p:spTgt spid="3">
+                                            <p:txEl>
+                                              <p:pRg st="4" end="4"/>
+                                            </p:txEl>
+                                          </p:spTgt>
+                                        </p:tgtEl>
+                                        <p:attrNameLst>
+                                          <p:attrName>ppt_x</p:attrName>
+                                        </p:attrNameLst>
+                                      </p:cBhvr>
+                                      <p:tavLst>
+                                        <p:tav tm="0">
+                                          <p:val>
+                                            <p:strVal val="#ppt_x"/>
+                                          </p:val>
+                                        </p:tav>
+                                        <p:tav tm="100000">
+                                          <p:val>
+                                            <p:strVal val="#ppt_x"/>
+                                          </p:val>
+                                        </p:tav>
+                                      </p:tavLst>
+                                    </p:anim>
+                                    <p:anim calcmode="lin" valueType="num">
+                                      <p:cBhvr>
+                                        <p:cTn id="37" dur="500" fill="hold"/>
+                                        <p:tgtEl>
+                                          <p:spTgt spid="3">
+                                            <p:txEl>
+                                              <p:pRg st="4" end="4"/>
+                                            </p:txEl>
+                                          </p:spTgt>
+                                        </p:tgtEl>
+                                        <p:attrNameLst>
+                                          <p:attrName>ppt_y</p:attrName>
+                                        </p:attrNameLst>
+                                      </p:cBhvr>
+                                      <p:tavLst>
+                                        <p:tav tm="0">
+                                          <p:val>
+                                            <p:strVal val="#ppt_y+.1"/>
+                                          </p:val>
+                                        </p:tav>
+                                        <p:tav tm="100000">
+                                          <p:val>
+                                            <p:strVal val="#ppt_y"/>
+                                          </p:val>
+                                        </p:tav>
+                                      </p:tavLst>
+                                    </p:anim>
+                                  </p:childTnLst>
+                                </p:cTn>
+                              </p:par>
+                            </p:childTnLst>
+                          </p:cTn>
+                        </p:par>
+                      </p:childTnLst>
+                    </p:cTn>
+                  </p:par>
+                  <p:par>
+                    <p:cTn id="38" fill="hold">
+                      <p:stCondLst>
+                        <p:cond delay="indefinite"/>
+                      </p:stCondLst>
+                      <p:childTnLst>
+                        <p:par>
+                          <p:cTn id="39" fill="hold">
+                            <p:stCondLst>
+                              <p:cond delay="0"/>
+                            </p:stCondLst>
+                            <p:childTnLst>
+                              <p:par>
+                                <p:cTn id="40" presetID="42" presetClass="entr" presetSubtype="0" fill="hold" nodeType="clickEffect">
+                                  <p:stCondLst>
+                                    <p:cond delay="0"/>
+                                  </p:stCondLst>
+                                  <p:childTnLst>
+                                    <p:set>
+                                      <p:cBhvr>
+                                        <p:cTn id="41" dur="1" fill="hold">
+                                          <p:stCondLst>
+                                            <p:cond delay="0"/>
+                                          </p:stCondLst>
+                                        </p:cTn>
+                                        <p:tgtEl>
+                                          <p:spTgt spid="3">
+                                            <p:txEl>
+                                              <p:pRg st="5" end="5"/>
+                                            </p:txEl>
+                                          </p:spTgt>
+                                        </p:tgtEl>
+                                        <p:attrNameLst>
+                                          <p:attrName>style.visibility</p:attrName>
+                                        </p:attrNameLst>
+                                      </p:cBhvr>
+                                      <p:to>
+                                        <p:strVal val="visible"/>
+                                      </p:to>
+                                    </p:set>
+                                    <p:animEffect transition="in" filter="fade">
+                                      <p:cBhvr>
+                                        <p:cTn id="42" dur="500"/>
+                                        <p:tgtEl>
+                                          <p:spTgt spid="3">
+                                            <p:txEl>
+                                              <p:pRg st="5" end="5"/>
+                                            </p:txEl>
+                                          </p:spTgt>
+                                        </p:tgtEl>
+                                      </p:cBhvr>
+                                    </p:animEffect>
+                                    <p:anim calcmode="lin" valueType="num">
+                                      <p:cBhvr>
+                                        <p:cTn id="43" dur="500" fill="hold"/>
+                                        <p:tgtEl>
+                                          <p:spTgt spid="3">
+                                            <p:txEl>
+                                              <p:pRg st="5" end="5"/>
+                                            </p:txEl>
+                                          </p:spTgt>
+                                        </p:tgtEl>
+                                        <p:attrNameLst>
+                                          <p:attrName>ppt_x</p:attrName>
+                                        </p:attrNameLst>
+                                      </p:cBhvr>
+                                      <p:tavLst>
+                                        <p:tav tm="0">
+                                          <p:val>
+                                            <p:strVal val="#ppt_x"/>
+                                          </p:val>
+                                        </p:tav>
+                                        <p:tav tm="100000">
+                                          <p:val>
+                                            <p:strVal val="#ppt_x"/>
+                                          </p:val>
+                                        </p:tav>
+                                      </p:tavLst>
+                                    </p:anim>
+                                    <p:anim calcmode="lin" valueType="num">
+                                      <p:cBhvr>
+                                        <p:cTn id="44" dur="500" fill="hold"/>
+                                        <p:tgtEl>
+                                          <p:spTgt spid="3">
+                                            <p:txEl>
+                                              <p:pRg st="5" end="5"/>
+                                            </p:txEl>
+                                          </p:spTgt>
+                                        </p:tgtEl>
+                                        <p:attrNameLst>
+                                          <p:attrName>ppt_y</p:attrName>
+                                        </p:attrNameLst>
+                                      </p:cBhvr>
+                                      <p:tavLst>
+                                        <p:tav tm="0">
+                                          <p:val>
+                                            <p:strVal val="#ppt_y+.1"/>
+                                          </p:val>
+                                        </p:tav>
+                                        <p:tav tm="100000">
+                                          <p:val>
+                                            <p:strVal val="#ppt_y"/>
+                                          </p:val>
+                                        </p:tav>
+                                      </p:tavLst>
+                                    </p:anim>
+                                  </p:childTnLst>
+                                </p:cTn>
+                              </p:par>
+                            </p:childTnLst>
+                          </p:cTn>
+                        </p:par>
+                      </p:childTnLst>
+                    </p:cTn>
+                  </p:par>
+                </p:childTnLst>
+              </p:cTn>
+              <p:prevCondLst>
+                <p:cond evt="onPrev" delay="0">
+                  <p:tgtEl>
+                    <p:sldTgt/>
+                  </p:tgtEl>
+                </p:cond>
+              </p:prevCondLst>
+              <p:nextCondLst>
+                <p:cond evt="onNext" delay="0">
+                  <p:tgtEl>
+                    <p:sldTgt/>
+                  </p:tgtEl>
+                </p:cond>
+              </p:nextCondLst>
+            </p:seq>
+          </p:childTnLst>
+        </p:cTn>
       </p:par>
     </p:tnLst>
   </p:timing>
@@ -9305,46 +10031,37 @@
       </p:grpSpPr>
       <p:sp>
         <p:nvSpPr>
-          <p:cNvPr id="2" name="Titolo 1"/>
+          <p:cNvPr id="5" name="Titolo 4"/>
           <p:cNvSpPr>
             <a:spLocks noGrp="1"/>
           </p:cNvSpPr>
           <p:nvPr>
-            <p:ph type="title"/>
+            <p:ph type="ctrTitle"/>
           </p:nvPr>
         </p:nvSpPr>
-        <p:spPr/>
+        <p:spPr>
+          <a:xfrm>
+            <a:off x="1768700" y="2737476"/>
+            <a:ext cx="10221532" cy="2387600"/>
+          </a:xfrm>
+        </p:spPr>
         <p:txBody>
           <a:bodyPr/>
           <a:lstStyle/>
           <a:p>
-            <a:endParaRPr lang="it-IT"/>
-          </a:p>
-        </p:txBody>
-      </p:sp>
-      <p:sp>
-        <p:nvSpPr>
-          <p:cNvPr id="3" name="Segnaposto contenuto 2"/>
-          <p:cNvSpPr>
-            <a:spLocks noGrp="1"/>
-          </p:cNvSpPr>
-          <p:nvPr>
-            <p:ph idx="1"/>
-          </p:nvPr>
-        </p:nvSpPr>
-        <p:spPr/>
-        <p:txBody>
-          <a:bodyPr/>
-          <a:lstStyle/>
-          <a:p>
-            <a:endParaRPr lang="it-IT"/>
+            <a:pPr algn="ctr"/>
+            <a:r>
+              <a:rPr lang="it-IT" dirty="0" smtClean="0"/>
+              <a:t>Specifica dei casi d’uso</a:t>
+            </a:r>
+            <a:endParaRPr lang="it-IT" dirty="0"/>
           </a:p>
         </p:txBody>
       </p:sp>
     </p:spTree>
     <p:extLst>
       <p:ext uri="{BB962C8B-B14F-4D97-AF65-F5344CB8AC3E}">
-        <p14:creationId xmlns:p14="http://schemas.microsoft.com/office/powerpoint/2010/main" val="366438286"/>
+        <p14:creationId xmlns:p14="http://schemas.microsoft.com/office/powerpoint/2010/main" val="2376894613"/>
       </p:ext>
     </p:extLst>
   </p:cSld>
@@ -9393,33 +10110,60 @@
           <a:bodyPr/>
           <a:lstStyle/>
           <a:p>
-            <a:endParaRPr lang="it-IT"/>
+            <a:r>
+              <a:rPr lang="it-IT" dirty="0" smtClean="0"/>
+              <a:t>Funzioni per l’utente</a:t>
+            </a:r>
+            <a:endParaRPr lang="it-IT" dirty="0"/>
           </a:p>
         </p:txBody>
       </p:sp>
-      <p:sp>
-        <p:nvSpPr>
-          <p:cNvPr id="3" name="Segnaposto contenuto 2"/>
-          <p:cNvSpPr>
-            <a:spLocks noGrp="1"/>
-          </p:cNvSpPr>
+      <p:pic>
+        <p:nvPicPr>
+          <p:cNvPr id="4" name="Segnaposto contenuto 3"/>
+          <p:cNvPicPr>
+            <a:picLocks noGrp="1"/>
+          </p:cNvPicPr>
           <p:nvPr>
             <p:ph idx="1"/>
           </p:nvPr>
-        </p:nvSpPr>
-        <p:spPr/>
-        <p:txBody>
-          <a:bodyPr/>
-          <a:lstStyle/>
-          <a:p>
-            <a:endParaRPr lang="it-IT"/>
-          </a:p>
-        </p:txBody>
-      </p:sp>
+        </p:nvPicPr>
+        <p:blipFill>
+          <a:blip r:embed="rId2">
+            <a:clrChange>
+              <a:clrFrom>
+                <a:srgbClr val="FFFFFF"/>
+              </a:clrFrom>
+              <a:clrTo>
+                <a:srgbClr val="FFFFFF">
+                  <a:alpha val="0"/>
+                </a:srgbClr>
+              </a:clrTo>
+            </a:clrChange>
+            <a:extLst>
+              <a:ext uri="{28A0092B-C50C-407E-A947-70E740481C1C}">
+                <a14:useLocalDpi xmlns:a14="http://schemas.microsoft.com/office/drawing/2010/main" val="0"/>
+              </a:ext>
+            </a:extLst>
+          </a:blip>
+          <a:stretch>
+            <a:fillRect/>
+          </a:stretch>
+        </p:blipFill>
+        <p:spPr>
+          <a:xfrm>
+            <a:off x="2253804" y="2021982"/>
+            <a:ext cx="8796269" cy="2897747"/>
+          </a:xfrm>
+          <a:prstGeom prst="rect">
+            <a:avLst/>
+          </a:prstGeom>
+        </p:spPr>
+      </p:pic>
     </p:spTree>
     <p:extLst>
       <p:ext uri="{BB962C8B-B14F-4D97-AF65-F5344CB8AC3E}">
-        <p14:creationId xmlns:p14="http://schemas.microsoft.com/office/powerpoint/2010/main" val="124135493"/>
+        <p14:creationId xmlns:p14="http://schemas.microsoft.com/office/powerpoint/2010/main" val="366438286"/>
       </p:ext>
     </p:extLst>
   </p:cSld>
@@ -9534,33 +10278,65 @@
           <a:bodyPr/>
           <a:lstStyle/>
           <a:p>
-            <a:endParaRPr lang="it-IT"/>
+            <a:r>
+              <a:rPr lang="it-IT" dirty="0" smtClean="0"/>
+              <a:t>Funzioni per l’operatore</a:t>
+            </a:r>
+            <a:endParaRPr lang="it-IT" dirty="0"/>
           </a:p>
         </p:txBody>
       </p:sp>
-      <p:sp>
-        <p:nvSpPr>
-          <p:cNvPr id="3" name="Segnaposto contenuto 2"/>
-          <p:cNvSpPr>
-            <a:spLocks noGrp="1"/>
-          </p:cNvSpPr>
+      <p:pic>
+        <p:nvPicPr>
+          <p:cNvPr id="4" name="Segnaposto contenuto 3" descr="C:\Users\Alberto\Documents\Alby\Università\Ingegneria del sofware\Ingegneria_Software_2014\Immagini\UsecaseOp.png"/>
+          <p:cNvPicPr>
+            <a:picLocks noGrp="1"/>
+          </p:cNvPicPr>
           <p:nvPr>
             <p:ph idx="1"/>
           </p:nvPr>
-        </p:nvSpPr>
-        <p:spPr/>
-        <p:txBody>
-          <a:bodyPr/>
-          <a:lstStyle/>
-          <a:p>
-            <a:endParaRPr lang="it-IT"/>
-          </a:p>
-        </p:txBody>
-      </p:sp>
+        </p:nvPicPr>
+        <p:blipFill>
+          <a:blip r:embed="rId2">
+            <a:clrChange>
+              <a:clrFrom>
+                <a:srgbClr val="FFFFFF"/>
+              </a:clrFrom>
+              <a:clrTo>
+                <a:srgbClr val="FFFFFF">
+                  <a:alpha val="0"/>
+                </a:srgbClr>
+              </a:clrTo>
+            </a:clrChange>
+            <a:extLst>
+              <a:ext uri="{28A0092B-C50C-407E-A947-70E740481C1C}">
+                <a14:useLocalDpi xmlns:a14="http://schemas.microsoft.com/office/drawing/2010/main" val="0"/>
+              </a:ext>
+            </a:extLst>
+          </a:blip>
+          <a:srcRect/>
+          <a:stretch>
+            <a:fillRect/>
+          </a:stretch>
+        </p:blipFill>
+        <p:spPr bwMode="auto">
+          <a:xfrm>
+            <a:off x="1519707" y="1904999"/>
+            <a:ext cx="9091098" cy="3156397"/>
+          </a:xfrm>
+          <a:prstGeom prst="rect">
+            <a:avLst/>
+          </a:prstGeom>
+          <a:noFill/>
+          <a:ln>
+            <a:noFill/>
+          </a:ln>
+        </p:spPr>
+      </p:pic>
     </p:spTree>
     <p:extLst>
       <p:ext uri="{BB962C8B-B14F-4D97-AF65-F5344CB8AC3E}">
-        <p14:creationId xmlns:p14="http://schemas.microsoft.com/office/powerpoint/2010/main" val="3329787070"/>
+        <p14:creationId xmlns:p14="http://schemas.microsoft.com/office/powerpoint/2010/main" val="124135493"/>
       </p:ext>
     </p:extLst>
   </p:cSld>
@@ -9609,33 +10385,56 @@
           <a:bodyPr/>
           <a:lstStyle/>
           <a:p>
-            <a:endParaRPr lang="it-IT"/>
+            <a:r>
+              <a:rPr lang="it-IT" dirty="0" smtClean="0"/>
+              <a:t>Funzioni per l’</a:t>
+            </a:r>
+            <a:r>
+              <a:rPr lang="it-IT" dirty="0" err="1" smtClean="0"/>
+              <a:t>admin</a:t>
+            </a:r>
+            <a:endParaRPr lang="it-IT" dirty="0"/>
           </a:p>
         </p:txBody>
       </p:sp>
-      <p:sp>
-        <p:nvSpPr>
-          <p:cNvPr id="3" name="Segnaposto contenuto 2"/>
-          <p:cNvSpPr>
-            <a:spLocks noGrp="1"/>
-          </p:cNvSpPr>
+      <p:pic>
+        <p:nvPicPr>
+          <p:cNvPr id="4" name="Segnaposto contenuto 3"/>
+          <p:cNvPicPr>
+            <a:picLocks noGrp="1"/>
+          </p:cNvPicPr>
           <p:nvPr>
             <p:ph idx="1"/>
           </p:nvPr>
-        </p:nvSpPr>
-        <p:spPr/>
-        <p:txBody>
-          <a:bodyPr/>
-          <a:lstStyle/>
-          <a:p>
-            <a:endParaRPr lang="it-IT"/>
-          </a:p>
-        </p:txBody>
-      </p:sp>
+        </p:nvPicPr>
+        <p:blipFill rotWithShape="1">
+          <a:blip r:embed="rId2">
+            <a:extLst>
+              <a:ext uri="{28A0092B-C50C-407E-A947-70E740481C1C}">
+                <a14:useLocalDpi xmlns:a14="http://schemas.microsoft.com/office/drawing/2010/main" val="0"/>
+              </a:ext>
+            </a:extLst>
+          </a:blip>
+          <a:srcRect l="18387" r="24253" b="54892"/>
+          <a:stretch/>
+        </p:blipFill>
+        <p:spPr>
+          <a:xfrm>
+            <a:off x="1828800" y="257576"/>
+            <a:ext cx="9852337" cy="5821252"/>
+          </a:xfrm>
+          <a:prstGeom prst="rect">
+            <a:avLst/>
+          </a:prstGeom>
+          <a:ln>
+            <a:noFill/>
+          </a:ln>
+        </p:spPr>
+      </p:pic>
     </p:spTree>
     <p:extLst>
       <p:ext uri="{BB962C8B-B14F-4D97-AF65-F5344CB8AC3E}">
-        <p14:creationId xmlns:p14="http://schemas.microsoft.com/office/powerpoint/2010/main" val="2593162589"/>
+        <p14:creationId xmlns:p14="http://schemas.microsoft.com/office/powerpoint/2010/main" val="3329787070"/>
       </p:ext>
     </p:extLst>
   </p:cSld>
@@ -9684,33 +10483,62 @@
           <a:bodyPr/>
           <a:lstStyle/>
           <a:p>
-            <a:endParaRPr lang="it-IT"/>
+            <a:r>
+              <a:rPr lang="it-IT" dirty="0" smtClean="0"/>
+              <a:t>Use case Utente</a:t>
+            </a:r>
+            <a:endParaRPr lang="it-IT" dirty="0"/>
           </a:p>
         </p:txBody>
       </p:sp>
-      <p:sp>
-        <p:nvSpPr>
-          <p:cNvPr id="3" name="Segnaposto contenuto 2"/>
-          <p:cNvSpPr>
-            <a:spLocks noGrp="1"/>
-          </p:cNvSpPr>
+      <p:pic>
+        <p:nvPicPr>
+          <p:cNvPr id="4" name="Picture" descr="C:\Users\Alberto\Documents\Alby\Università\Ingegneria del sofware\Ingegneria_Software_2014\Immagini\Uml_Utente.png"/>
+          <p:cNvPicPr>
+            <a:picLocks noGrp="1"/>
+          </p:cNvPicPr>
           <p:nvPr>
             <p:ph idx="1"/>
           </p:nvPr>
-        </p:nvSpPr>
-        <p:spPr/>
-        <p:txBody>
-          <a:bodyPr/>
-          <a:lstStyle/>
-          <a:p>
-            <a:endParaRPr lang="it-IT"/>
-          </a:p>
-        </p:txBody>
-      </p:sp>
+        </p:nvPicPr>
+        <p:blipFill>
+          <a:blip r:embed="rId2">
+            <a:clrChange>
+              <a:clrFrom>
+                <a:srgbClr val="FFFFFF"/>
+              </a:clrFrom>
+              <a:clrTo>
+                <a:srgbClr val="FFFFFF">
+                  <a:alpha val="0"/>
+                </a:srgbClr>
+              </a:clrTo>
+            </a:clrChange>
+          </a:blip>
+          <a:stretch>
+            <a:fillRect/>
+          </a:stretch>
+        </p:blipFill>
+        <p:spPr bwMode="auto">
+          <a:xfrm>
+            <a:off x="3889420" y="1146219"/>
+            <a:ext cx="5743977" cy="5608749"/>
+          </a:xfrm>
+          <a:prstGeom prst="rect">
+            <a:avLst/>
+          </a:prstGeom>
+          <a:noFill/>
+          <a:ln w="9525">
+            <a:noFill/>
+            <a:miter lim="800000"/>
+            <a:headEnd/>
+            <a:tailEnd/>
+          </a:ln>
+        </p:spPr>
+      </p:pic>
     </p:spTree>
     <p:extLst>
       <p:ext uri="{BB962C8B-B14F-4D97-AF65-F5344CB8AC3E}">
-        <p14:creationId xmlns:p14="http://schemas.microsoft.com/office/powerpoint/2010/main" val="4037085064"/>
+        <p14:creationId xmlns:p14="http://schemas.microsoft.com/office/powerpoint/2010/main" val="2593162589"/>
       </p:ext>
     </p:extLst>
   </p:cSld>
@@ -9759,33 +10587,104 @@
           <a:bodyPr/>
           <a:lstStyle/>
           <a:p>
-            <a:endParaRPr lang="it-IT"/>
+            <a:r>
+              <a:rPr lang="it-IT" dirty="0" smtClean="0"/>
+              <a:t>Use case Operatore</a:t>
+            </a:r>
+            <a:endParaRPr lang="it-IT" dirty="0"/>
           </a:p>
         </p:txBody>
       </p:sp>
-      <p:sp>
-        <p:nvSpPr>
-          <p:cNvPr id="3" name="Segnaposto contenuto 2"/>
-          <p:cNvSpPr>
-            <a:spLocks noGrp="1"/>
-          </p:cNvSpPr>
+      <p:pic>
+        <p:nvPicPr>
+          <p:cNvPr id="6" name="Picture" descr="C:\Users\Alberto\Documents\Alby\Università\Ingegneria del sofware\Ingegneria_Software_2014\Immagini\Uml_operatore_utente.png"/>
+          <p:cNvPicPr>
+            <a:picLocks noGrp="1"/>
+          </p:cNvPicPr>
           <p:nvPr>
             <p:ph idx="1"/>
           </p:nvPr>
-        </p:nvSpPr>
-        <p:spPr/>
-        <p:txBody>
-          <a:bodyPr/>
-          <a:lstStyle/>
-          <a:p>
-            <a:endParaRPr lang="it-IT"/>
-          </a:p>
-        </p:txBody>
-      </p:sp>
+        </p:nvPicPr>
+        <p:blipFill>
+          <a:blip r:embed="rId2">
+            <a:clrChange>
+              <a:clrFrom>
+                <a:srgbClr val="FFFFFF"/>
+              </a:clrFrom>
+              <a:clrTo>
+                <a:srgbClr val="FFFFFF">
+                  <a:alpha val="0"/>
+                </a:srgbClr>
+              </a:clrTo>
+            </a:clrChange>
+          </a:blip>
+          <a:srcRect r="14227"/>
+          <a:stretch>
+            <a:fillRect/>
+          </a:stretch>
+        </p:blipFill>
+        <p:spPr bwMode="auto">
+          <a:xfrm>
+            <a:off x="2446986" y="1872962"/>
+            <a:ext cx="3957719" cy="4284000"/>
+          </a:xfrm>
+          <a:prstGeom prst="rect">
+            <a:avLst/>
+          </a:prstGeom>
+          <a:noFill/>
+          <a:ln w="9525">
+            <a:noFill/>
+            <a:miter lim="800000"/>
+            <a:headEnd/>
+            <a:tailEnd/>
+          </a:ln>
+        </p:spPr>
+      </p:pic>
+      <p:pic>
+        <p:nvPicPr>
+          <p:cNvPr id="7" name="Picture" descr="C:\Users\Alberto\Documents\Alby\Università\Ingegneria del sofware\Ingegneria_Software_2014\Immagini\Uml_operatore_problema.png"/>
+          <p:cNvPicPr/>
+          <p:nvPr/>
+        </p:nvPicPr>
+        <p:blipFill>
+          <a:blip r:embed="rId3">
+            <a:clrChange>
+              <a:clrFrom>
+                <a:srgbClr val="FFFFFF"/>
+              </a:clrFrom>
+              <a:clrTo>
+                <a:srgbClr val="FFFFFF">
+                  <a:alpha val="0"/>
+                </a:srgbClr>
+              </a:clrTo>
+            </a:clrChange>
+          </a:blip>
+          <a:srcRect r="19160"/>
+          <a:stretch>
+            <a:fillRect/>
+          </a:stretch>
+        </p:blipFill>
+        <p:spPr bwMode="auto">
+          <a:xfrm>
+            <a:off x="7199290" y="1882807"/>
+            <a:ext cx="3924000" cy="4306193"/>
+          </a:xfrm>
+          <a:prstGeom prst="rect">
+            <a:avLst/>
+          </a:prstGeom>
+          <a:noFill/>
+          <a:ln w="9525">
+            <a:noFill/>
+            <a:miter lim="800000"/>
+            <a:headEnd/>
+            <a:tailEnd/>
+          </a:ln>
+        </p:spPr>
+      </p:pic>
     </p:spTree>
     <p:extLst>
       <p:ext uri="{BB962C8B-B14F-4D97-AF65-F5344CB8AC3E}">
-        <p14:creationId xmlns:p14="http://schemas.microsoft.com/office/powerpoint/2010/main" val="1877708040"/>
+        <p14:creationId xmlns:p14="http://schemas.microsoft.com/office/powerpoint/2010/main" val="4037085064"/>
       </p:ext>
     </p:extLst>
   </p:cSld>
@@ -9834,33 +10733,110 @@
           <a:bodyPr/>
           <a:lstStyle/>
           <a:p>
-            <a:endParaRPr lang="it-IT"/>
+            <a:r>
+              <a:rPr lang="it-IT" dirty="0" smtClean="0"/>
+              <a:t>Use case </a:t>
+            </a:r>
+            <a:r>
+              <a:rPr lang="it-IT" dirty="0" err="1" smtClean="0"/>
+              <a:t>Admin</a:t>
+            </a:r>
+            <a:r>
+              <a:rPr lang="it-IT" dirty="0" smtClean="0"/>
+              <a:t> (1) </a:t>
+            </a:r>
+            <a:endParaRPr lang="it-IT" dirty="0"/>
           </a:p>
         </p:txBody>
       </p:sp>
-      <p:sp>
-        <p:nvSpPr>
-          <p:cNvPr id="3" name="Segnaposto contenuto 2"/>
-          <p:cNvSpPr>
-            <a:spLocks noGrp="1"/>
-          </p:cNvSpPr>
-          <p:nvPr>
-            <p:ph idx="1"/>
-          </p:nvPr>
-        </p:nvSpPr>
-        <p:spPr/>
-        <p:txBody>
-          <a:bodyPr/>
-          <a:lstStyle/>
-          <a:p>
-            <a:endParaRPr lang="it-IT"/>
-          </a:p>
-        </p:txBody>
-      </p:sp>
+      <p:pic>
+        <p:nvPicPr>
+          <p:cNvPr id="4" name="Picture" descr="C:\Users\Alberto\Documents\Alby\Università\Ingegneria del sofware\Ingegneria_Software_2014\Immagini\Uml_operatore_utente.png"/>
+          <p:cNvPicPr>
+            <a:picLocks/>
+          </p:cNvPicPr>
+          <p:nvPr/>
+        </p:nvPicPr>
+        <p:blipFill>
+          <a:blip r:embed="rId2">
+            <a:clrChange>
+              <a:clrFrom>
+                <a:srgbClr val="FFFFFF"/>
+              </a:clrFrom>
+              <a:clrTo>
+                <a:srgbClr val="FFFFFF">
+                  <a:alpha val="0"/>
+                </a:srgbClr>
+              </a:clrTo>
+            </a:clrChange>
+          </a:blip>
+          <a:srcRect r="14227"/>
+          <a:stretch>
+            <a:fillRect/>
+          </a:stretch>
+        </p:blipFill>
+        <p:spPr bwMode="auto">
+          <a:xfrm>
+            <a:off x="2446986" y="1872962"/>
+            <a:ext cx="3957719" cy="4284000"/>
+          </a:xfrm>
+          <a:prstGeom prst="rect">
+            <a:avLst/>
+          </a:prstGeom>
+          <a:noFill/>
+          <a:ln w="9525">
+            <a:noFill/>
+            <a:miter lim="800000"/>
+            <a:headEnd/>
+            <a:tailEnd/>
+          </a:ln>
+        </p:spPr>
+      </p:pic>
+      <p:pic>
+        <p:nvPicPr>
+          <p:cNvPr id="5" name="Picture" descr="C:\Users\Alberto\Documents\Alby\Università\Ingegneria del sofware\Ingegneria_Software_2014\Immagini\Uml_operatore_problema.png"/>
+          <p:cNvPicPr/>
+          <p:nvPr/>
+        </p:nvPicPr>
+        <p:blipFill>
+          <a:blip r:embed="rId3">
+            <a:clrChange>
+              <a:clrFrom>
+                <a:srgbClr val="FFFFFF"/>
+              </a:clrFrom>
+              <a:clrTo>
+                <a:srgbClr val="FFFFFF">
+                  <a:alpha val="0"/>
+                </a:srgbClr>
+              </a:clrTo>
+            </a:clrChange>
+          </a:blip>
+          <a:srcRect r="19160"/>
+          <a:stretch>
+            <a:fillRect/>
+          </a:stretch>
+        </p:blipFill>
+        <p:spPr bwMode="auto">
+          <a:xfrm>
+            <a:off x="7199290" y="1882807"/>
+            <a:ext cx="3924000" cy="4306193"/>
+          </a:xfrm>
+          <a:prstGeom prst="rect">
+            <a:avLst/>
+          </a:prstGeom>
+          <a:noFill/>
+          <a:ln w="9525">
+            <a:noFill/>
+            <a:miter lim="800000"/>
+            <a:headEnd/>
+            <a:tailEnd/>
+          </a:ln>
+        </p:spPr>
+      </p:pic>
     </p:spTree>
     <p:extLst>
       <p:ext uri="{BB962C8B-B14F-4D97-AF65-F5344CB8AC3E}">
-        <p14:creationId xmlns:p14="http://schemas.microsoft.com/office/powerpoint/2010/main" val="2501144928"/>
+        <p14:creationId xmlns:p14="http://schemas.microsoft.com/office/powerpoint/2010/main" val="1877708040"/>
       </p:ext>
     </p:extLst>
   </p:cSld>
@@ -9909,33 +10885,71 @@
           <a:bodyPr/>
           <a:lstStyle/>
           <a:p>
-            <a:endParaRPr lang="it-IT"/>
+            <a:r>
+              <a:rPr lang="it-IT" dirty="0" smtClean="0"/>
+              <a:t>Use case </a:t>
+            </a:r>
+            <a:r>
+              <a:rPr lang="it-IT" dirty="0" err="1" smtClean="0"/>
+              <a:t>Admin</a:t>
+            </a:r>
+            <a:r>
+              <a:rPr lang="it-IT" dirty="0" smtClean="0"/>
+              <a:t> (2)</a:t>
+            </a:r>
+            <a:endParaRPr lang="it-IT" dirty="0"/>
           </a:p>
         </p:txBody>
       </p:sp>
-      <p:sp>
-        <p:nvSpPr>
-          <p:cNvPr id="3" name="Segnaposto contenuto 2"/>
-          <p:cNvSpPr>
-            <a:spLocks noGrp="1"/>
-          </p:cNvSpPr>
+      <p:pic>
+        <p:nvPicPr>
+          <p:cNvPr id="4" name="Picture" descr="C:\Users\Alberto\Documents\Alby\Università\Ingegneria del sofware\Ingegneria_Software_2014\Immagini\Uml_Operatore_Interfacciamento.png"/>
+          <p:cNvPicPr>
+            <a:picLocks noGrp="1"/>
+          </p:cNvPicPr>
           <p:nvPr>
             <p:ph idx="1"/>
           </p:nvPr>
-        </p:nvSpPr>
-        <p:spPr/>
-        <p:txBody>
-          <a:bodyPr/>
-          <a:lstStyle/>
-          <a:p>
-            <a:endParaRPr lang="it-IT"/>
-          </a:p>
-        </p:txBody>
-      </p:sp>
+        </p:nvPicPr>
+        <p:blipFill>
+          <a:blip r:embed="rId2">
+            <a:clrChange>
+              <a:clrFrom>
+                <a:srgbClr val="FFFFFF"/>
+              </a:clrFrom>
+              <a:clrTo>
+                <a:srgbClr val="FFFFFF">
+                  <a:alpha val="0"/>
+                </a:srgbClr>
+              </a:clrTo>
+            </a:clrChange>
+          </a:blip>
+          <a:srcRect r="33581"/>
+          <a:stretch>
+            <a:fillRect/>
+          </a:stretch>
+        </p:blipFill>
+        <p:spPr bwMode="auto">
+          <a:xfrm>
+            <a:off x="4267200" y="1481070"/>
+            <a:ext cx="3657600" cy="5151549"/>
+          </a:xfrm>
+          <a:prstGeom prst="rect">
+            <a:avLst/>
+          </a:prstGeom>
+          <a:noFill/>
+          <a:ln w="9525">
+            <a:noFill/>
+            <a:miter lim="800000"/>
+            <a:headEnd/>
+            <a:tailEnd/>
+          </a:ln>
+        </p:spPr>
+      </p:pic>
     </p:spTree>
     <p:extLst>
       <p:ext uri="{BB962C8B-B14F-4D97-AF65-F5344CB8AC3E}">
-        <p14:creationId xmlns:p14="http://schemas.microsoft.com/office/powerpoint/2010/main" val="3543244756"/>
+        <p14:creationId xmlns:p14="http://schemas.microsoft.com/office/powerpoint/2010/main" val="2501144928"/>
       </p:ext>
     </p:extLst>
   </p:cSld>
@@ -10230,7 +11244,7 @@
         </p:nvSpPr>
         <p:spPr>
           <a:xfrm>
-            <a:off x="2580047" y="250623"/>
+            <a:off x="2438380" y="649869"/>
             <a:ext cx="8911687" cy="1280890"/>
           </a:xfrm>
         </p:spPr>
@@ -10238,6 +11252,10 @@
           <a:bodyPr/>
           <a:lstStyle/>
           <a:p>
+            <a:r>
+              <a:rPr lang="it-IT" dirty="0" smtClean="0"/>
+              <a:t>In sintesi</a:t>
+            </a:r>
             <a:endParaRPr lang="it-IT" dirty="0"/>
           </a:p>
         </p:txBody>
@@ -10742,7 +11760,835 @@
   <p:timing>
     <p:tnLst>
       <p:par>
-        <p:cTn id="1" dur="indefinite" restart="never" nodeType="tmRoot"/>
+        <p:cTn id="1" dur="indefinite" restart="never" nodeType="tmRoot">
+          <p:childTnLst>
+            <p:seq concurrent="1" nextAc="seek">
+              <p:cTn id="2" dur="indefinite" nodeType="mainSeq">
+                <p:childTnLst>
+                  <p:par>
+                    <p:cTn id="3" fill="hold">
+                      <p:stCondLst>
+                        <p:cond delay="indefinite"/>
+                      </p:stCondLst>
+                      <p:childTnLst>
+                        <p:par>
+                          <p:cTn id="4" fill="hold">
+                            <p:stCondLst>
+                              <p:cond delay="0"/>
+                            </p:stCondLst>
+                            <p:childTnLst>
+                              <p:par>
+                                <p:cTn id="5" presetID="42" presetClass="entr" presetSubtype="0" fill="hold" nodeType="clickEffect">
+                                  <p:stCondLst>
+                                    <p:cond delay="0"/>
+                                  </p:stCondLst>
+                                  <p:childTnLst>
+                                    <p:set>
+                                      <p:cBhvr>
+                                        <p:cTn id="6" dur="1" fill="hold">
+                                          <p:stCondLst>
+                                            <p:cond delay="0"/>
+                                          </p:stCondLst>
+                                        </p:cTn>
+                                        <p:tgtEl>
+                                          <p:spTgt spid="3">
+                                            <p:txEl>
+                                              <p:pRg st="0" end="0"/>
+                                            </p:txEl>
+                                          </p:spTgt>
+                                        </p:tgtEl>
+                                        <p:attrNameLst>
+                                          <p:attrName>style.visibility</p:attrName>
+                                        </p:attrNameLst>
+                                      </p:cBhvr>
+                                      <p:to>
+                                        <p:strVal val="visible"/>
+                                      </p:to>
+                                    </p:set>
+                                    <p:animEffect transition="in" filter="fade">
+                                      <p:cBhvr>
+                                        <p:cTn id="7" dur="500"/>
+                                        <p:tgtEl>
+                                          <p:spTgt spid="3">
+                                            <p:txEl>
+                                              <p:pRg st="0" end="0"/>
+                                            </p:txEl>
+                                          </p:spTgt>
+                                        </p:tgtEl>
+                                      </p:cBhvr>
+                                    </p:animEffect>
+                                    <p:anim calcmode="lin" valueType="num">
+                                      <p:cBhvr>
+                                        <p:cTn id="8" dur="500" fill="hold"/>
+                                        <p:tgtEl>
+                                          <p:spTgt spid="3">
+                                            <p:txEl>
+                                              <p:pRg st="0" end="0"/>
+                                            </p:txEl>
+                                          </p:spTgt>
+                                        </p:tgtEl>
+                                        <p:attrNameLst>
+                                          <p:attrName>ppt_x</p:attrName>
+                                        </p:attrNameLst>
+                                      </p:cBhvr>
+                                      <p:tavLst>
+                                        <p:tav tm="0">
+                                          <p:val>
+                                            <p:strVal val="#ppt_x"/>
+                                          </p:val>
+                                        </p:tav>
+                                        <p:tav tm="100000">
+                                          <p:val>
+                                            <p:strVal val="#ppt_x"/>
+                                          </p:val>
+                                        </p:tav>
+                                      </p:tavLst>
+                                    </p:anim>
+                                    <p:anim calcmode="lin" valueType="num">
+                                      <p:cBhvr>
+                                        <p:cTn id="9" dur="500" fill="hold"/>
+                                        <p:tgtEl>
+                                          <p:spTgt spid="3">
+                                            <p:txEl>
+                                              <p:pRg st="0" end="0"/>
+                                            </p:txEl>
+                                          </p:spTgt>
+                                        </p:tgtEl>
+                                        <p:attrNameLst>
+                                          <p:attrName>ppt_y</p:attrName>
+                                        </p:attrNameLst>
+                                      </p:cBhvr>
+                                      <p:tavLst>
+                                        <p:tav tm="0">
+                                          <p:val>
+                                            <p:strVal val="#ppt_y+.1"/>
+                                          </p:val>
+                                        </p:tav>
+                                        <p:tav tm="100000">
+                                          <p:val>
+                                            <p:strVal val="#ppt_y"/>
+                                          </p:val>
+                                        </p:tav>
+                                      </p:tavLst>
+                                    </p:anim>
+                                  </p:childTnLst>
+                                </p:cTn>
+                              </p:par>
+                            </p:childTnLst>
+                          </p:cTn>
+                        </p:par>
+                      </p:childTnLst>
+                    </p:cTn>
+                  </p:par>
+                  <p:par>
+                    <p:cTn id="10" fill="hold">
+                      <p:stCondLst>
+                        <p:cond delay="indefinite"/>
+                      </p:stCondLst>
+                      <p:childTnLst>
+                        <p:par>
+                          <p:cTn id="11" fill="hold">
+                            <p:stCondLst>
+                              <p:cond delay="0"/>
+                            </p:stCondLst>
+                            <p:childTnLst>
+                              <p:par>
+                                <p:cTn id="12" presetID="42" presetClass="entr" presetSubtype="0" fill="hold" nodeType="clickEffect">
+                                  <p:stCondLst>
+                                    <p:cond delay="0"/>
+                                  </p:stCondLst>
+                                  <p:childTnLst>
+                                    <p:set>
+                                      <p:cBhvr>
+                                        <p:cTn id="13" dur="1" fill="hold">
+                                          <p:stCondLst>
+                                            <p:cond delay="0"/>
+                                          </p:stCondLst>
+                                        </p:cTn>
+                                        <p:tgtEl>
+                                          <p:spTgt spid="3">
+                                            <p:txEl>
+                                              <p:pRg st="1" end="1"/>
+                                            </p:txEl>
+                                          </p:spTgt>
+                                        </p:tgtEl>
+                                        <p:attrNameLst>
+                                          <p:attrName>style.visibility</p:attrName>
+                                        </p:attrNameLst>
+                                      </p:cBhvr>
+                                      <p:to>
+                                        <p:strVal val="visible"/>
+                                      </p:to>
+                                    </p:set>
+                                    <p:animEffect transition="in" filter="fade">
+                                      <p:cBhvr>
+                                        <p:cTn id="14" dur="500"/>
+                                        <p:tgtEl>
+                                          <p:spTgt spid="3">
+                                            <p:txEl>
+                                              <p:pRg st="1" end="1"/>
+                                            </p:txEl>
+                                          </p:spTgt>
+                                        </p:tgtEl>
+                                      </p:cBhvr>
+                                    </p:animEffect>
+                                    <p:anim calcmode="lin" valueType="num">
+                                      <p:cBhvr>
+                                        <p:cTn id="15" dur="500" fill="hold"/>
+                                        <p:tgtEl>
+                                          <p:spTgt spid="3">
+                                            <p:txEl>
+                                              <p:pRg st="1" end="1"/>
+                                            </p:txEl>
+                                          </p:spTgt>
+                                        </p:tgtEl>
+                                        <p:attrNameLst>
+                                          <p:attrName>ppt_x</p:attrName>
+                                        </p:attrNameLst>
+                                      </p:cBhvr>
+                                      <p:tavLst>
+                                        <p:tav tm="0">
+                                          <p:val>
+                                            <p:strVal val="#ppt_x"/>
+                                          </p:val>
+                                        </p:tav>
+                                        <p:tav tm="100000">
+                                          <p:val>
+                                            <p:strVal val="#ppt_x"/>
+                                          </p:val>
+                                        </p:tav>
+                                      </p:tavLst>
+                                    </p:anim>
+                                    <p:anim calcmode="lin" valueType="num">
+                                      <p:cBhvr>
+                                        <p:cTn id="16" dur="500" fill="hold"/>
+                                        <p:tgtEl>
+                                          <p:spTgt spid="3">
+                                            <p:txEl>
+                                              <p:pRg st="1" end="1"/>
+                                            </p:txEl>
+                                          </p:spTgt>
+                                        </p:tgtEl>
+                                        <p:attrNameLst>
+                                          <p:attrName>ppt_y</p:attrName>
+                                        </p:attrNameLst>
+                                      </p:cBhvr>
+                                      <p:tavLst>
+                                        <p:tav tm="0">
+                                          <p:val>
+                                            <p:strVal val="#ppt_y+.1"/>
+                                          </p:val>
+                                        </p:tav>
+                                        <p:tav tm="100000">
+                                          <p:val>
+                                            <p:strVal val="#ppt_y"/>
+                                          </p:val>
+                                        </p:tav>
+                                      </p:tavLst>
+                                    </p:anim>
+                                  </p:childTnLst>
+                                </p:cTn>
+                              </p:par>
+                            </p:childTnLst>
+                          </p:cTn>
+                        </p:par>
+                      </p:childTnLst>
+                    </p:cTn>
+                  </p:par>
+                  <p:par>
+                    <p:cTn id="17" fill="hold">
+                      <p:stCondLst>
+                        <p:cond delay="indefinite"/>
+                      </p:stCondLst>
+                      <p:childTnLst>
+                        <p:par>
+                          <p:cTn id="18" fill="hold">
+                            <p:stCondLst>
+                              <p:cond delay="0"/>
+                            </p:stCondLst>
+                            <p:childTnLst>
+                              <p:par>
+                                <p:cTn id="19" presetID="42" presetClass="entr" presetSubtype="0" fill="hold" nodeType="clickEffect">
+                                  <p:stCondLst>
+                                    <p:cond delay="0"/>
+                                  </p:stCondLst>
+                                  <p:childTnLst>
+                                    <p:set>
+                                      <p:cBhvr>
+                                        <p:cTn id="20" dur="1" fill="hold">
+                                          <p:stCondLst>
+                                            <p:cond delay="0"/>
+                                          </p:stCondLst>
+                                        </p:cTn>
+                                        <p:tgtEl>
+                                          <p:spTgt spid="3">
+                                            <p:txEl>
+                                              <p:pRg st="2" end="2"/>
+                                            </p:txEl>
+                                          </p:spTgt>
+                                        </p:tgtEl>
+                                        <p:attrNameLst>
+                                          <p:attrName>style.visibility</p:attrName>
+                                        </p:attrNameLst>
+                                      </p:cBhvr>
+                                      <p:to>
+                                        <p:strVal val="visible"/>
+                                      </p:to>
+                                    </p:set>
+                                    <p:animEffect transition="in" filter="fade">
+                                      <p:cBhvr>
+                                        <p:cTn id="21" dur="500"/>
+                                        <p:tgtEl>
+                                          <p:spTgt spid="3">
+                                            <p:txEl>
+                                              <p:pRg st="2" end="2"/>
+                                            </p:txEl>
+                                          </p:spTgt>
+                                        </p:tgtEl>
+                                      </p:cBhvr>
+                                    </p:animEffect>
+                                    <p:anim calcmode="lin" valueType="num">
+                                      <p:cBhvr>
+                                        <p:cTn id="22" dur="500" fill="hold"/>
+                                        <p:tgtEl>
+                                          <p:spTgt spid="3">
+                                            <p:txEl>
+                                              <p:pRg st="2" end="2"/>
+                                            </p:txEl>
+                                          </p:spTgt>
+                                        </p:tgtEl>
+                                        <p:attrNameLst>
+                                          <p:attrName>ppt_x</p:attrName>
+                                        </p:attrNameLst>
+                                      </p:cBhvr>
+                                      <p:tavLst>
+                                        <p:tav tm="0">
+                                          <p:val>
+                                            <p:strVal val="#ppt_x"/>
+                                          </p:val>
+                                        </p:tav>
+                                        <p:tav tm="100000">
+                                          <p:val>
+                                            <p:strVal val="#ppt_x"/>
+                                          </p:val>
+                                        </p:tav>
+                                      </p:tavLst>
+                                    </p:anim>
+                                    <p:anim calcmode="lin" valueType="num">
+                                      <p:cBhvr>
+                                        <p:cTn id="23" dur="500" fill="hold"/>
+                                        <p:tgtEl>
+                                          <p:spTgt spid="3">
+                                            <p:txEl>
+                                              <p:pRg st="2" end="2"/>
+                                            </p:txEl>
+                                          </p:spTgt>
+                                        </p:tgtEl>
+                                        <p:attrNameLst>
+                                          <p:attrName>ppt_y</p:attrName>
+                                        </p:attrNameLst>
+                                      </p:cBhvr>
+                                      <p:tavLst>
+                                        <p:tav tm="0">
+                                          <p:val>
+                                            <p:strVal val="#ppt_y+.1"/>
+                                          </p:val>
+                                        </p:tav>
+                                        <p:tav tm="100000">
+                                          <p:val>
+                                            <p:strVal val="#ppt_y"/>
+                                          </p:val>
+                                        </p:tav>
+                                      </p:tavLst>
+                                    </p:anim>
+                                  </p:childTnLst>
+                                </p:cTn>
+                              </p:par>
+                            </p:childTnLst>
+                          </p:cTn>
+                        </p:par>
+                      </p:childTnLst>
+                    </p:cTn>
+                  </p:par>
+                  <p:par>
+                    <p:cTn id="24" fill="hold">
+                      <p:stCondLst>
+                        <p:cond delay="indefinite"/>
+                      </p:stCondLst>
+                      <p:childTnLst>
+                        <p:par>
+                          <p:cTn id="25" fill="hold">
+                            <p:stCondLst>
+                              <p:cond delay="0"/>
+                            </p:stCondLst>
+                            <p:childTnLst>
+                              <p:par>
+                                <p:cTn id="26" presetID="42" presetClass="entr" presetSubtype="0" fill="hold" nodeType="clickEffect">
+                                  <p:stCondLst>
+                                    <p:cond delay="0"/>
+                                  </p:stCondLst>
+                                  <p:childTnLst>
+                                    <p:set>
+                                      <p:cBhvr>
+                                        <p:cTn id="27" dur="1" fill="hold">
+                                          <p:stCondLst>
+                                            <p:cond delay="0"/>
+                                          </p:stCondLst>
+                                        </p:cTn>
+                                        <p:tgtEl>
+                                          <p:spTgt spid="3">
+                                            <p:txEl>
+                                              <p:pRg st="3" end="3"/>
+                                            </p:txEl>
+                                          </p:spTgt>
+                                        </p:tgtEl>
+                                        <p:attrNameLst>
+                                          <p:attrName>style.visibility</p:attrName>
+                                        </p:attrNameLst>
+                                      </p:cBhvr>
+                                      <p:to>
+                                        <p:strVal val="visible"/>
+                                      </p:to>
+                                    </p:set>
+                                    <p:animEffect transition="in" filter="fade">
+                                      <p:cBhvr>
+                                        <p:cTn id="28" dur="500"/>
+                                        <p:tgtEl>
+                                          <p:spTgt spid="3">
+                                            <p:txEl>
+                                              <p:pRg st="3" end="3"/>
+                                            </p:txEl>
+                                          </p:spTgt>
+                                        </p:tgtEl>
+                                      </p:cBhvr>
+                                    </p:animEffect>
+                                    <p:anim calcmode="lin" valueType="num">
+                                      <p:cBhvr>
+                                        <p:cTn id="29" dur="500" fill="hold"/>
+                                        <p:tgtEl>
+                                          <p:spTgt spid="3">
+                                            <p:txEl>
+                                              <p:pRg st="3" end="3"/>
+                                            </p:txEl>
+                                          </p:spTgt>
+                                        </p:tgtEl>
+                                        <p:attrNameLst>
+                                          <p:attrName>ppt_x</p:attrName>
+                                        </p:attrNameLst>
+                                      </p:cBhvr>
+                                      <p:tavLst>
+                                        <p:tav tm="0">
+                                          <p:val>
+                                            <p:strVal val="#ppt_x"/>
+                                          </p:val>
+                                        </p:tav>
+                                        <p:tav tm="100000">
+                                          <p:val>
+                                            <p:strVal val="#ppt_x"/>
+                                          </p:val>
+                                        </p:tav>
+                                      </p:tavLst>
+                                    </p:anim>
+                                    <p:anim calcmode="lin" valueType="num">
+                                      <p:cBhvr>
+                                        <p:cTn id="30" dur="500" fill="hold"/>
+                                        <p:tgtEl>
+                                          <p:spTgt spid="3">
+                                            <p:txEl>
+                                              <p:pRg st="3" end="3"/>
+                                            </p:txEl>
+                                          </p:spTgt>
+                                        </p:tgtEl>
+                                        <p:attrNameLst>
+                                          <p:attrName>ppt_y</p:attrName>
+                                        </p:attrNameLst>
+                                      </p:cBhvr>
+                                      <p:tavLst>
+                                        <p:tav tm="0">
+                                          <p:val>
+                                            <p:strVal val="#ppt_y+.1"/>
+                                          </p:val>
+                                        </p:tav>
+                                        <p:tav tm="100000">
+                                          <p:val>
+                                            <p:strVal val="#ppt_y"/>
+                                          </p:val>
+                                        </p:tav>
+                                      </p:tavLst>
+                                    </p:anim>
+                                  </p:childTnLst>
+                                </p:cTn>
+                              </p:par>
+                            </p:childTnLst>
+                          </p:cTn>
+                        </p:par>
+                      </p:childTnLst>
+                    </p:cTn>
+                  </p:par>
+                  <p:par>
+                    <p:cTn id="31" fill="hold">
+                      <p:stCondLst>
+                        <p:cond delay="indefinite"/>
+                      </p:stCondLst>
+                      <p:childTnLst>
+                        <p:par>
+                          <p:cTn id="32" fill="hold">
+                            <p:stCondLst>
+                              <p:cond delay="0"/>
+                            </p:stCondLst>
+                            <p:childTnLst>
+                              <p:par>
+                                <p:cTn id="33" presetID="42" presetClass="entr" presetSubtype="0" fill="hold" nodeType="clickEffect">
+                                  <p:stCondLst>
+                                    <p:cond delay="0"/>
+                                  </p:stCondLst>
+                                  <p:childTnLst>
+                                    <p:set>
+                                      <p:cBhvr>
+                                        <p:cTn id="34" dur="1" fill="hold">
+                                          <p:stCondLst>
+                                            <p:cond delay="0"/>
+                                          </p:stCondLst>
+                                        </p:cTn>
+                                        <p:tgtEl>
+                                          <p:spTgt spid="3">
+                                            <p:txEl>
+                                              <p:pRg st="4" end="4"/>
+                                            </p:txEl>
+                                          </p:spTgt>
+                                        </p:tgtEl>
+                                        <p:attrNameLst>
+                                          <p:attrName>style.visibility</p:attrName>
+                                        </p:attrNameLst>
+                                      </p:cBhvr>
+                                      <p:to>
+                                        <p:strVal val="visible"/>
+                                      </p:to>
+                                    </p:set>
+                                    <p:animEffect transition="in" filter="fade">
+                                      <p:cBhvr>
+                                        <p:cTn id="35" dur="500"/>
+                                        <p:tgtEl>
+                                          <p:spTgt spid="3">
+                                            <p:txEl>
+                                              <p:pRg st="4" end="4"/>
+                                            </p:txEl>
+                                          </p:spTgt>
+                                        </p:tgtEl>
+                                      </p:cBhvr>
+                                    </p:animEffect>
+                                    <p:anim calcmode="lin" valueType="num">
+                                      <p:cBhvr>
+                                        <p:cTn id="36" dur="500" fill="hold"/>
+                                        <p:tgtEl>
+                                          <p:spTgt spid="3">
+                                            <p:txEl>
+                                              <p:pRg st="4" end="4"/>
+                                            </p:txEl>
+                                          </p:spTgt>
+                                        </p:tgtEl>
+                                        <p:attrNameLst>
+                                          <p:attrName>ppt_x</p:attrName>
+                                        </p:attrNameLst>
+                                      </p:cBhvr>
+                                      <p:tavLst>
+                                        <p:tav tm="0">
+                                          <p:val>
+                                            <p:strVal val="#ppt_x"/>
+                                          </p:val>
+                                        </p:tav>
+                                        <p:tav tm="100000">
+                                          <p:val>
+                                            <p:strVal val="#ppt_x"/>
+                                          </p:val>
+                                        </p:tav>
+                                      </p:tavLst>
+                                    </p:anim>
+                                    <p:anim calcmode="lin" valueType="num">
+                                      <p:cBhvr>
+                                        <p:cTn id="37" dur="500" fill="hold"/>
+                                        <p:tgtEl>
+                                          <p:spTgt spid="3">
+                                            <p:txEl>
+                                              <p:pRg st="4" end="4"/>
+                                            </p:txEl>
+                                          </p:spTgt>
+                                        </p:tgtEl>
+                                        <p:attrNameLst>
+                                          <p:attrName>ppt_y</p:attrName>
+                                        </p:attrNameLst>
+                                      </p:cBhvr>
+                                      <p:tavLst>
+                                        <p:tav tm="0">
+                                          <p:val>
+                                            <p:strVal val="#ppt_y+.1"/>
+                                          </p:val>
+                                        </p:tav>
+                                        <p:tav tm="100000">
+                                          <p:val>
+                                            <p:strVal val="#ppt_y"/>
+                                          </p:val>
+                                        </p:tav>
+                                      </p:tavLst>
+                                    </p:anim>
+                                  </p:childTnLst>
+                                </p:cTn>
+                              </p:par>
+                            </p:childTnLst>
+                          </p:cTn>
+                        </p:par>
+                      </p:childTnLst>
+                    </p:cTn>
+                  </p:par>
+                  <p:par>
+                    <p:cTn id="38" fill="hold">
+                      <p:stCondLst>
+                        <p:cond delay="indefinite"/>
+                      </p:stCondLst>
+                      <p:childTnLst>
+                        <p:par>
+                          <p:cTn id="39" fill="hold">
+                            <p:stCondLst>
+                              <p:cond delay="0"/>
+                            </p:stCondLst>
+                            <p:childTnLst>
+                              <p:par>
+                                <p:cTn id="40" presetID="42" presetClass="entr" presetSubtype="0" fill="hold" nodeType="clickEffect">
+                                  <p:stCondLst>
+                                    <p:cond delay="0"/>
+                                  </p:stCondLst>
+                                  <p:childTnLst>
+                                    <p:set>
+                                      <p:cBhvr>
+                                        <p:cTn id="41" dur="1" fill="hold">
+                                          <p:stCondLst>
+                                            <p:cond delay="0"/>
+                                          </p:stCondLst>
+                                        </p:cTn>
+                                        <p:tgtEl>
+                                          <p:spTgt spid="3">
+                                            <p:txEl>
+                                              <p:pRg st="5" end="5"/>
+                                            </p:txEl>
+                                          </p:spTgt>
+                                        </p:tgtEl>
+                                        <p:attrNameLst>
+                                          <p:attrName>style.visibility</p:attrName>
+                                        </p:attrNameLst>
+                                      </p:cBhvr>
+                                      <p:to>
+                                        <p:strVal val="visible"/>
+                                      </p:to>
+                                    </p:set>
+                                    <p:animEffect transition="in" filter="fade">
+                                      <p:cBhvr>
+                                        <p:cTn id="42" dur="500"/>
+                                        <p:tgtEl>
+                                          <p:spTgt spid="3">
+                                            <p:txEl>
+                                              <p:pRg st="5" end="5"/>
+                                            </p:txEl>
+                                          </p:spTgt>
+                                        </p:tgtEl>
+                                      </p:cBhvr>
+                                    </p:animEffect>
+                                    <p:anim calcmode="lin" valueType="num">
+                                      <p:cBhvr>
+                                        <p:cTn id="43" dur="500" fill="hold"/>
+                                        <p:tgtEl>
+                                          <p:spTgt spid="3">
+                                            <p:txEl>
+                                              <p:pRg st="5" end="5"/>
+                                            </p:txEl>
+                                          </p:spTgt>
+                                        </p:tgtEl>
+                                        <p:attrNameLst>
+                                          <p:attrName>ppt_x</p:attrName>
+                                        </p:attrNameLst>
+                                      </p:cBhvr>
+                                      <p:tavLst>
+                                        <p:tav tm="0">
+                                          <p:val>
+                                            <p:strVal val="#ppt_x"/>
+                                          </p:val>
+                                        </p:tav>
+                                        <p:tav tm="100000">
+                                          <p:val>
+                                            <p:strVal val="#ppt_x"/>
+                                          </p:val>
+                                        </p:tav>
+                                      </p:tavLst>
+                                    </p:anim>
+                                    <p:anim calcmode="lin" valueType="num">
+                                      <p:cBhvr>
+                                        <p:cTn id="44" dur="500" fill="hold"/>
+                                        <p:tgtEl>
+                                          <p:spTgt spid="3">
+                                            <p:txEl>
+                                              <p:pRg st="5" end="5"/>
+                                            </p:txEl>
+                                          </p:spTgt>
+                                        </p:tgtEl>
+                                        <p:attrNameLst>
+                                          <p:attrName>ppt_y</p:attrName>
+                                        </p:attrNameLst>
+                                      </p:cBhvr>
+                                      <p:tavLst>
+                                        <p:tav tm="0">
+                                          <p:val>
+                                            <p:strVal val="#ppt_y+.1"/>
+                                          </p:val>
+                                        </p:tav>
+                                        <p:tav tm="100000">
+                                          <p:val>
+                                            <p:strVal val="#ppt_y"/>
+                                          </p:val>
+                                        </p:tav>
+                                      </p:tavLst>
+                                    </p:anim>
+                                  </p:childTnLst>
+                                </p:cTn>
+                              </p:par>
+                            </p:childTnLst>
+                          </p:cTn>
+                        </p:par>
+                      </p:childTnLst>
+                    </p:cTn>
+                  </p:par>
+                  <p:par>
+                    <p:cTn id="45" fill="hold">
+                      <p:stCondLst>
+                        <p:cond delay="indefinite"/>
+                      </p:stCondLst>
+                      <p:childTnLst>
+                        <p:par>
+                          <p:cTn id="46" fill="hold">
+                            <p:stCondLst>
+                              <p:cond delay="0"/>
+                            </p:stCondLst>
+                            <p:childTnLst>
+                              <p:par>
+                                <p:cTn id="47" presetID="42" presetClass="entr" presetSubtype="0" fill="hold" nodeType="clickEffect">
+                                  <p:stCondLst>
+                                    <p:cond delay="0"/>
+                                  </p:stCondLst>
+                                  <p:childTnLst>
+                                    <p:set>
+                                      <p:cBhvr>
+                                        <p:cTn id="48" dur="1" fill="hold">
+                                          <p:stCondLst>
+                                            <p:cond delay="0"/>
+                                          </p:stCondLst>
+                                        </p:cTn>
+                                        <p:tgtEl>
+                                          <p:spTgt spid="3">
+                                            <p:txEl>
+                                              <p:pRg st="6" end="6"/>
+                                            </p:txEl>
+                                          </p:spTgt>
+                                        </p:tgtEl>
+                                        <p:attrNameLst>
+                                          <p:attrName>style.visibility</p:attrName>
+                                        </p:attrNameLst>
+                                      </p:cBhvr>
+                                      <p:to>
+                                        <p:strVal val="visible"/>
+                                      </p:to>
+                                    </p:set>
+                                    <p:animEffect transition="in" filter="fade">
+                                      <p:cBhvr>
+                                        <p:cTn id="49" dur="500"/>
+                                        <p:tgtEl>
+                                          <p:spTgt spid="3">
+                                            <p:txEl>
+                                              <p:pRg st="6" end="6"/>
+                                            </p:txEl>
+                                          </p:spTgt>
+                                        </p:tgtEl>
+                                      </p:cBhvr>
+                                    </p:animEffect>
+                                    <p:anim calcmode="lin" valueType="num">
+                                      <p:cBhvr>
+                                        <p:cTn id="50" dur="500" fill="hold"/>
+                                        <p:tgtEl>
+                                          <p:spTgt spid="3">
+                                            <p:txEl>
+                                              <p:pRg st="6" end="6"/>
+                                            </p:txEl>
+                                          </p:spTgt>
+                                        </p:tgtEl>
+                                        <p:attrNameLst>
+                                          <p:attrName>ppt_x</p:attrName>
+                                        </p:attrNameLst>
+                                      </p:cBhvr>
+                                      <p:tavLst>
+                                        <p:tav tm="0">
+                                          <p:val>
+                                            <p:strVal val="#ppt_x"/>
+                                          </p:val>
+                                        </p:tav>
+                                        <p:tav tm="100000">
+                                          <p:val>
+                                            <p:strVal val="#ppt_x"/>
+                                          </p:val>
+                                        </p:tav>
+                                      </p:tavLst>
+                                    </p:anim>
+                                    <p:anim calcmode="lin" valueType="num">
+                                      <p:cBhvr>
+                                        <p:cTn id="51" dur="500" fill="hold"/>
+                                        <p:tgtEl>
+                                          <p:spTgt spid="3">
+                                            <p:txEl>
+                                              <p:pRg st="6" end="6"/>
+                                            </p:txEl>
+                                          </p:spTgt>
+                                        </p:tgtEl>
+                                        <p:attrNameLst>
+                                          <p:attrName>ppt_y</p:attrName>
+                                        </p:attrNameLst>
+                                      </p:cBhvr>
+                                      <p:tavLst>
+                                        <p:tav tm="0">
+                                          <p:val>
+                                            <p:strVal val="#ppt_y+.1"/>
+                                          </p:val>
+                                        </p:tav>
+                                        <p:tav tm="100000">
+                                          <p:val>
+                                            <p:strVal val="#ppt_y"/>
+                                          </p:val>
+                                        </p:tav>
+                                      </p:tavLst>
+                                    </p:anim>
+                                  </p:childTnLst>
+                                </p:cTn>
+                              </p:par>
+                            </p:childTnLst>
+                          </p:cTn>
+                        </p:par>
+                      </p:childTnLst>
+                    </p:cTn>
+                  </p:par>
+                </p:childTnLst>
+              </p:cTn>
+              <p:prevCondLst>
+                <p:cond evt="onPrev" delay="0">
+                  <p:tgtEl>
+                    <p:sldTgt/>
+                  </p:tgtEl>
+                </p:cond>
+              </p:prevCondLst>
+              <p:nextCondLst>
+                <p:cond evt="onNext" delay="0">
+                  <p:tgtEl>
+                    <p:sldTgt/>
+                  </p:tgtEl>
+                </p:cond>
+              </p:nextCondLst>
+            </p:seq>
+          </p:childTnLst>
+        </p:cTn>
       </p:par>
     </p:tnLst>
   </p:timing>

--- a/Slide/Slide Alby.pptx
+++ b/Slide/Slide Alby.pptx
@@ -324,7 +324,7 @@
           <a:p>
             <a:fld id="{B535378F-B459-44D5-8E0B-09D012A925F2}" type="datetimeFigureOut">
               <a:rPr lang="it-IT" smtClean="0"/>
-              <a:t>17/06/2015</a:t>
+              <a:t>18/06/2015</a:t>
             </a:fld>
             <a:endParaRPr lang="it-IT"/>
           </a:p>
@@ -662,7 +662,7 @@
           <a:p>
             <a:fld id="{B535378F-B459-44D5-8E0B-09D012A925F2}" type="datetimeFigureOut">
               <a:rPr lang="it-IT" smtClean="0"/>
-              <a:t>17/06/2015</a:t>
+              <a:t>18/06/2015</a:t>
             </a:fld>
             <a:endParaRPr lang="it-IT"/>
           </a:p>
@@ -1063,7 +1063,7 @@
           <a:p>
             <a:fld id="{B535378F-B459-44D5-8E0B-09D012A925F2}" type="datetimeFigureOut">
               <a:rPr lang="it-IT" smtClean="0"/>
-              <a:t>17/06/2015</a:t>
+              <a:t>18/06/2015</a:t>
             </a:fld>
             <a:endParaRPr lang="it-IT"/>
           </a:p>
@@ -1399,7 +1399,7 @@
           <a:p>
             <a:fld id="{B535378F-B459-44D5-8E0B-09D012A925F2}" type="datetimeFigureOut">
               <a:rPr lang="it-IT" smtClean="0"/>
-              <a:t>17/06/2015</a:t>
+              <a:t>18/06/2015</a:t>
             </a:fld>
             <a:endParaRPr lang="it-IT"/>
           </a:p>
@@ -1719,7 +1719,7 @@
           <a:p>
             <a:fld id="{B535378F-B459-44D5-8E0B-09D012A925F2}" type="datetimeFigureOut">
               <a:rPr lang="it-IT" smtClean="0"/>
-              <a:t>17/06/2015</a:t>
+              <a:t>18/06/2015</a:t>
             </a:fld>
             <a:endParaRPr lang="it-IT"/>
           </a:p>
@@ -2115,7 +2115,7 @@
           <a:p>
             <a:fld id="{B535378F-B459-44D5-8E0B-09D012A925F2}" type="datetimeFigureOut">
               <a:rPr lang="it-IT" smtClean="0"/>
-              <a:t>17/06/2015</a:t>
+              <a:t>18/06/2015</a:t>
             </a:fld>
             <a:endParaRPr lang="it-IT"/>
           </a:p>
@@ -2372,7 +2372,7 @@
           <a:p>
             <a:fld id="{B535378F-B459-44D5-8E0B-09D012A925F2}" type="datetimeFigureOut">
               <a:rPr lang="it-IT" smtClean="0"/>
-              <a:t>17/06/2015</a:t>
+              <a:t>18/06/2015</a:t>
             </a:fld>
             <a:endParaRPr lang="it-IT"/>
           </a:p>
@@ -2634,7 +2634,7 @@
           <a:p>
             <a:fld id="{B535378F-B459-44D5-8E0B-09D012A925F2}" type="datetimeFigureOut">
               <a:rPr lang="it-IT" smtClean="0"/>
-              <a:t>17/06/2015</a:t>
+              <a:t>18/06/2015</a:t>
             </a:fld>
             <a:endParaRPr lang="it-IT"/>
           </a:p>
@@ -2896,7 +2896,7 @@
           <a:p>
             <a:fld id="{B535378F-B459-44D5-8E0B-09D012A925F2}" type="datetimeFigureOut">
               <a:rPr lang="it-IT" smtClean="0"/>
-              <a:t>17/06/2015</a:t>
+              <a:t>18/06/2015</a:t>
             </a:fld>
             <a:endParaRPr lang="it-IT"/>
           </a:p>
@@ -3232,7 +3232,7 @@
           <a:p>
             <a:fld id="{B535378F-B459-44D5-8E0B-09D012A925F2}" type="datetimeFigureOut">
               <a:rPr lang="it-IT" smtClean="0"/>
-              <a:t>17/06/2015</a:t>
+              <a:t>18/06/2015</a:t>
             </a:fld>
             <a:endParaRPr lang="it-IT"/>
           </a:p>
@@ -3555,7 +3555,7 @@
           <a:p>
             <a:fld id="{B535378F-B459-44D5-8E0B-09D012A925F2}" type="datetimeFigureOut">
               <a:rPr lang="it-IT" smtClean="0"/>
-              <a:t>17/06/2015</a:t>
+              <a:t>18/06/2015</a:t>
             </a:fld>
             <a:endParaRPr lang="it-IT"/>
           </a:p>
@@ -4012,7 +4012,7 @@
           <a:p>
             <a:fld id="{B535378F-B459-44D5-8E0B-09D012A925F2}" type="datetimeFigureOut">
               <a:rPr lang="it-IT" smtClean="0"/>
-              <a:t>17/06/2015</a:t>
+              <a:t>18/06/2015</a:t>
             </a:fld>
             <a:endParaRPr lang="it-IT"/>
           </a:p>
@@ -4217,7 +4217,7 @@
           <a:p>
             <a:fld id="{B535378F-B459-44D5-8E0B-09D012A925F2}" type="datetimeFigureOut">
               <a:rPr lang="it-IT" smtClean="0"/>
-              <a:t>17/06/2015</a:t>
+              <a:t>18/06/2015</a:t>
             </a:fld>
             <a:endParaRPr lang="it-IT"/>
           </a:p>
@@ -4394,7 +4394,7 @@
           <a:p>
             <a:fld id="{B535378F-B459-44D5-8E0B-09D012A925F2}" type="datetimeFigureOut">
               <a:rPr lang="it-IT" smtClean="0"/>
-              <a:t>17/06/2015</a:t>
+              <a:t>18/06/2015</a:t>
             </a:fld>
             <a:endParaRPr lang="it-IT"/>
           </a:p>
@@ -4727,7 +4727,7 @@
           <a:p>
             <a:fld id="{B535378F-B459-44D5-8E0B-09D012A925F2}" type="datetimeFigureOut">
               <a:rPr lang="it-IT" smtClean="0"/>
-              <a:t>17/06/2015</a:t>
+              <a:t>18/06/2015</a:t>
             </a:fld>
             <a:endParaRPr lang="it-IT"/>
           </a:p>
@@ -5072,7 +5072,7 @@
           <a:p>
             <a:fld id="{B535378F-B459-44D5-8E0B-09D012A925F2}" type="datetimeFigureOut">
               <a:rPr lang="it-IT" smtClean="0"/>
-              <a:t>17/06/2015</a:t>
+              <a:t>18/06/2015</a:t>
             </a:fld>
             <a:endParaRPr lang="it-IT"/>
           </a:p>
@@ -7189,7 +7189,7 @@
           <a:p>
             <a:fld id="{B535378F-B459-44D5-8E0B-09D012A925F2}" type="datetimeFigureOut">
               <a:rPr lang="it-IT" smtClean="0"/>
-              <a:t>17/06/2015</a:t>
+              <a:t>18/06/2015</a:t>
             </a:fld>
             <a:endParaRPr lang="it-IT"/>
           </a:p>
@@ -8650,11 +8650,7 @@
           <a:p>
             <a:r>
               <a:rPr lang="it-IT" dirty="0" smtClean="0"/>
-              <a:t>Tecnologie </a:t>
-            </a:r>
-            <a:r>
-              <a:rPr lang="it-IT" dirty="0" smtClean="0"/>
-              <a:t>Web </a:t>
+              <a:t>Tecnologie Web </a:t>
             </a:r>
             <a:r>
               <a:rPr lang="it-IT" dirty="0"/>
@@ -9240,12 +9236,14 @@
               <a:rPr lang="it-IT" dirty="0" smtClean="0"/>
               <a:t>Portabilità</a:t>
             </a:r>
+            <a:endParaRPr lang="it-IT" dirty="0" smtClean="0"/>
           </a:p>
           <a:p>
             <a:r>
               <a:rPr lang="it-IT" dirty="0" smtClean="0"/>
               <a:t>Robustezza</a:t>
             </a:r>
+            <a:endParaRPr lang="it-IT" dirty="0" smtClean="0"/>
           </a:p>
           <a:p>
             <a:r>
@@ -10399,9 +10397,9 @@
       </p:sp>
       <p:pic>
         <p:nvPicPr>
-          <p:cNvPr id="4" name="Segnaposto contenuto 3"/>
+          <p:cNvPr id="5" name="Segnaposto contenuto 4"/>
           <p:cNvPicPr>
-            <a:picLocks noGrp="1"/>
+            <a:picLocks noGrp="1" noChangeAspect="1"/>
           </p:cNvPicPr>
           <p:nvPr>
             <p:ph idx="1"/>
@@ -10415,20 +10413,14 @@
               </a:ext>
             </a:extLst>
           </a:blip>
-          <a:srcRect l="18387" r="24253" b="54892"/>
+          <a:srcRect b="20329"/>
           <a:stretch/>
         </p:blipFill>
         <p:spPr>
           <a:xfrm>
-            <a:off x="1828800" y="257576"/>
-            <a:ext cx="9852337" cy="5821252"/>
+            <a:off x="1880316" y="141668"/>
+            <a:ext cx="10064094" cy="5669165"/>
           </a:xfrm>
-          <a:prstGeom prst="rect">
-            <a:avLst/>
-          </a:prstGeom>
-          <a:ln>
-            <a:noFill/>
-          </a:ln>
         </p:spPr>
       </p:pic>
     </p:spTree>

--- a/Slide/Slide Alby.pptx
+++ b/Slide/Slide Alby.pptx
@@ -324,7 +324,7 @@
           <a:p>
             <a:fld id="{B535378F-B459-44D5-8E0B-09D012A925F2}" type="datetimeFigureOut">
               <a:rPr lang="it-IT" smtClean="0"/>
-              <a:t>18/06/2015</a:t>
+              <a:t>19/06/2015</a:t>
             </a:fld>
             <a:endParaRPr lang="it-IT"/>
           </a:p>
@@ -662,7 +662,7 @@
           <a:p>
             <a:fld id="{B535378F-B459-44D5-8E0B-09D012A925F2}" type="datetimeFigureOut">
               <a:rPr lang="it-IT" smtClean="0"/>
-              <a:t>18/06/2015</a:t>
+              <a:t>19/06/2015</a:t>
             </a:fld>
             <a:endParaRPr lang="it-IT"/>
           </a:p>
@@ -1063,7 +1063,7 @@
           <a:p>
             <a:fld id="{B535378F-B459-44D5-8E0B-09D012A925F2}" type="datetimeFigureOut">
               <a:rPr lang="it-IT" smtClean="0"/>
-              <a:t>18/06/2015</a:t>
+              <a:t>19/06/2015</a:t>
             </a:fld>
             <a:endParaRPr lang="it-IT"/>
           </a:p>
@@ -1399,7 +1399,7 @@
           <a:p>
             <a:fld id="{B535378F-B459-44D5-8E0B-09D012A925F2}" type="datetimeFigureOut">
               <a:rPr lang="it-IT" smtClean="0"/>
-              <a:t>18/06/2015</a:t>
+              <a:t>19/06/2015</a:t>
             </a:fld>
             <a:endParaRPr lang="it-IT"/>
           </a:p>
@@ -1719,7 +1719,7 @@
           <a:p>
             <a:fld id="{B535378F-B459-44D5-8E0B-09D012A925F2}" type="datetimeFigureOut">
               <a:rPr lang="it-IT" smtClean="0"/>
-              <a:t>18/06/2015</a:t>
+              <a:t>19/06/2015</a:t>
             </a:fld>
             <a:endParaRPr lang="it-IT"/>
           </a:p>
@@ -2115,7 +2115,7 @@
           <a:p>
             <a:fld id="{B535378F-B459-44D5-8E0B-09D012A925F2}" type="datetimeFigureOut">
               <a:rPr lang="it-IT" smtClean="0"/>
-              <a:t>18/06/2015</a:t>
+              <a:t>19/06/2015</a:t>
             </a:fld>
             <a:endParaRPr lang="it-IT"/>
           </a:p>
@@ -2372,7 +2372,7 @@
           <a:p>
             <a:fld id="{B535378F-B459-44D5-8E0B-09D012A925F2}" type="datetimeFigureOut">
               <a:rPr lang="it-IT" smtClean="0"/>
-              <a:t>18/06/2015</a:t>
+              <a:t>19/06/2015</a:t>
             </a:fld>
             <a:endParaRPr lang="it-IT"/>
           </a:p>
@@ -2634,7 +2634,7 @@
           <a:p>
             <a:fld id="{B535378F-B459-44D5-8E0B-09D012A925F2}" type="datetimeFigureOut">
               <a:rPr lang="it-IT" smtClean="0"/>
-              <a:t>18/06/2015</a:t>
+              <a:t>19/06/2015</a:t>
             </a:fld>
             <a:endParaRPr lang="it-IT"/>
           </a:p>
@@ -2896,7 +2896,7 @@
           <a:p>
             <a:fld id="{B535378F-B459-44D5-8E0B-09D012A925F2}" type="datetimeFigureOut">
               <a:rPr lang="it-IT" smtClean="0"/>
-              <a:t>18/06/2015</a:t>
+              <a:t>19/06/2015</a:t>
             </a:fld>
             <a:endParaRPr lang="it-IT"/>
           </a:p>
@@ -3232,7 +3232,7 @@
           <a:p>
             <a:fld id="{B535378F-B459-44D5-8E0B-09D012A925F2}" type="datetimeFigureOut">
               <a:rPr lang="it-IT" smtClean="0"/>
-              <a:t>18/06/2015</a:t>
+              <a:t>19/06/2015</a:t>
             </a:fld>
             <a:endParaRPr lang="it-IT"/>
           </a:p>
@@ -3555,7 +3555,7 @@
           <a:p>
             <a:fld id="{B535378F-B459-44D5-8E0B-09D012A925F2}" type="datetimeFigureOut">
               <a:rPr lang="it-IT" smtClean="0"/>
-              <a:t>18/06/2015</a:t>
+              <a:t>19/06/2015</a:t>
             </a:fld>
             <a:endParaRPr lang="it-IT"/>
           </a:p>
@@ -4012,7 +4012,7 @@
           <a:p>
             <a:fld id="{B535378F-B459-44D5-8E0B-09D012A925F2}" type="datetimeFigureOut">
               <a:rPr lang="it-IT" smtClean="0"/>
-              <a:t>18/06/2015</a:t>
+              <a:t>19/06/2015</a:t>
             </a:fld>
             <a:endParaRPr lang="it-IT"/>
           </a:p>
@@ -4217,7 +4217,7 @@
           <a:p>
             <a:fld id="{B535378F-B459-44D5-8E0B-09D012A925F2}" type="datetimeFigureOut">
               <a:rPr lang="it-IT" smtClean="0"/>
-              <a:t>18/06/2015</a:t>
+              <a:t>19/06/2015</a:t>
             </a:fld>
             <a:endParaRPr lang="it-IT"/>
           </a:p>
@@ -4394,7 +4394,7 @@
           <a:p>
             <a:fld id="{B535378F-B459-44D5-8E0B-09D012A925F2}" type="datetimeFigureOut">
               <a:rPr lang="it-IT" smtClean="0"/>
-              <a:t>18/06/2015</a:t>
+              <a:t>19/06/2015</a:t>
             </a:fld>
             <a:endParaRPr lang="it-IT"/>
           </a:p>
@@ -4727,7 +4727,7 @@
           <a:p>
             <a:fld id="{B535378F-B459-44D5-8E0B-09D012A925F2}" type="datetimeFigureOut">
               <a:rPr lang="it-IT" smtClean="0"/>
-              <a:t>18/06/2015</a:t>
+              <a:t>19/06/2015</a:t>
             </a:fld>
             <a:endParaRPr lang="it-IT"/>
           </a:p>
@@ -5072,7 +5072,7 @@
           <a:p>
             <a:fld id="{B535378F-B459-44D5-8E0B-09D012A925F2}" type="datetimeFigureOut">
               <a:rPr lang="it-IT" smtClean="0"/>
-              <a:t>18/06/2015</a:t>
+              <a:t>19/06/2015</a:t>
             </a:fld>
             <a:endParaRPr lang="it-IT"/>
           </a:p>
@@ -7189,7 +7189,7 @@
           <a:p>
             <a:fld id="{B535378F-B459-44D5-8E0B-09D012A925F2}" type="datetimeFigureOut">
               <a:rPr lang="it-IT" smtClean="0"/>
-              <a:t>18/06/2015</a:t>
+              <a:t>19/06/2015</a:t>
             </a:fld>
             <a:endParaRPr lang="it-IT"/>
           </a:p>
@@ -8280,14 +8280,14 @@
             <p:ph idx="1"/>
             <p:extLst>
               <p:ext uri="{D42A27DB-BD31-4B8C-83A1-F6EECF244321}">
-                <p14:modId xmlns:p14="http://schemas.microsoft.com/office/powerpoint/2010/main" val="2783254334"/>
+                <p14:modId xmlns:p14="http://schemas.microsoft.com/office/powerpoint/2010/main" val="2157493993"/>
               </p:ext>
             </p:extLst>
           </p:nvPr>
         </p:nvGraphicFramePr>
         <p:xfrm>
-          <a:off x="2408350" y="1519708"/>
-          <a:ext cx="8912180" cy="4790939"/>
+          <a:off x="2369713" y="1738649"/>
+          <a:ext cx="8912180" cy="3842562"/>
         </p:xfrm>
         <a:graphic>
           <a:graphicData uri="http://schemas.openxmlformats.org/drawingml/2006/table">
@@ -8299,60 +8299,6 @@
                 <a:gridCol w="4456090"/>
                 <a:gridCol w="4456090"/>
               </a:tblGrid>
-              <a:tr h="948377">
-                <a:tc>
-                  <a:txBody>
-                    <a:bodyPr/>
-                    <a:lstStyle/>
-                    <a:p>
-                      <a:pPr algn="just">
-                        <a:spcAft>
-                          <a:spcPts val="0"/>
-                        </a:spcAft>
-                      </a:pPr>
-                      <a:r>
-                        <a:rPr lang="it-IT" sz="1600" dirty="0">
-                          <a:effectLst/>
-                        </a:rPr>
-                        <a:t>Protocollo </a:t>
-                      </a:r>
-                      <a:endParaRPr lang="it-IT" sz="1600" dirty="0">
-                        <a:effectLst/>
-                        <a:latin typeface="Calibri" panose="020F0502020204030204" pitchFamily="34" charset="0"/>
-                        <a:ea typeface="MS Mincho" panose="02020609040205080304" pitchFamily="49" charset="-128"/>
-                        <a:cs typeface="Times New Roman" panose="02020603050405020304" pitchFamily="18" charset="0"/>
-                      </a:endParaRPr>
-                    </a:p>
-                  </a:txBody>
-                  <a:tcPr marL="68580" marR="68580" marT="0" marB="0"/>
-                </a:tc>
-                <a:tc>
-                  <a:txBody>
-                    <a:bodyPr/>
-                    <a:lstStyle/>
-                    <a:p>
-                      <a:pPr algn="just">
-                        <a:spcAft>
-                          <a:spcPts val="0"/>
-                        </a:spcAft>
-                      </a:pPr>
-                      <a:r>
-                        <a:rPr lang="it-IT" sz="1600">
-                          <a:effectLst/>
-                        </a:rPr>
-                        <a:t>TCP/IP</a:t>
-                      </a:r>
-                      <a:endParaRPr lang="it-IT" sz="1600">
-                        <a:effectLst/>
-                        <a:latin typeface="Calibri" panose="020F0502020204030204" pitchFamily="34" charset="0"/>
-                        <a:ea typeface="MS Mincho" panose="02020609040205080304" pitchFamily="49" charset="-128"/>
-                        <a:cs typeface="Times New Roman" panose="02020603050405020304" pitchFamily="18" charset="0"/>
-                      </a:endParaRPr>
-                    </a:p>
-                  </a:txBody>
-                  <a:tcPr marL="68580" marR="68580" marT="0" marB="0"/>
-                </a:tc>
-              </a:tr>
               <a:tr h="948377">
                 <a:tc>
                   <a:txBody>
@@ -8391,12 +8337,30 @@
                         </a:spcAft>
                       </a:pPr>
                       <a:r>
-                        <a:rPr lang="it-IT" sz="1600">
+                        <a:rPr lang="it-IT" sz="1600" dirty="0" err="1">
                           <a:effectLst/>
                         </a:rPr>
-                        <a:t>Android 4.4 e superiori</a:t>
+                        <a:t>Android</a:t>
                       </a:r>
-                      <a:endParaRPr lang="it-IT" sz="1600">
+                      <a:r>
+                        <a:rPr lang="it-IT" sz="1600" dirty="0">
+                          <a:effectLst/>
+                        </a:rPr>
+                        <a:t> </a:t>
+                      </a:r>
+                      <a:r>
+                        <a:rPr lang="it-IT" sz="1600" dirty="0" smtClean="0">
+                          <a:effectLst/>
+                        </a:rPr>
+                        <a:t>4.2 </a:t>
+                      </a:r>
+                      <a:r>
+                        <a:rPr lang="it-IT" sz="1600" dirty="0">
+                          <a:effectLst/>
+                        </a:rPr>
+                        <a:t>e superiori</a:t>
+                      </a:r>
+                      <a:endParaRPr lang="it-IT" sz="1600" dirty="0">
                         <a:effectLst/>
                         <a:latin typeface="Calibri" panose="020F0502020204030204" pitchFamily="34" charset="0"/>
                         <a:ea typeface="MS Mincho" panose="02020609040205080304" pitchFamily="49" charset="-128"/>
@@ -9236,14 +9200,12 @@
               <a:rPr lang="it-IT" dirty="0" smtClean="0"/>
               <a:t>Portabilità</a:t>
             </a:r>
-            <a:endParaRPr lang="it-IT" dirty="0" smtClean="0"/>
           </a:p>
           <a:p>
             <a:r>
               <a:rPr lang="it-IT" dirty="0" smtClean="0"/>
               <a:t>Robustezza</a:t>
             </a:r>
-            <a:endParaRPr lang="it-IT" dirty="0" smtClean="0"/>
           </a:p>
           <a:p>
             <a:r>
@@ -10110,7 +10072,11 @@
           <a:p>
             <a:r>
               <a:rPr lang="it-IT" dirty="0" smtClean="0"/>
-              <a:t>Funzioni per l’utente</a:t>
+              <a:t>Funzioni per </a:t>
+            </a:r>
+            <a:r>
+              <a:rPr lang="it-IT" dirty="0" smtClean="0"/>
+              <a:t>l’Utente</a:t>
             </a:r>
             <a:endParaRPr lang="it-IT" dirty="0"/>
           </a:p>
@@ -10278,7 +10244,11 @@
           <a:p>
             <a:r>
               <a:rPr lang="it-IT" dirty="0" smtClean="0"/>
-              <a:t>Funzioni per l’operatore</a:t>
+              <a:t>Funzioni per </a:t>
+            </a:r>
+            <a:r>
+              <a:rPr lang="it-IT" dirty="0" smtClean="0"/>
+              <a:t>l’Operatore</a:t>
             </a:r>
             <a:endParaRPr lang="it-IT" dirty="0"/>
           </a:p>
@@ -10368,33 +10338,6 @@
           <a:chExt cx="0" cy="0"/>
         </a:xfrm>
       </p:grpSpPr>
-      <p:sp>
-        <p:nvSpPr>
-          <p:cNvPr id="2" name="Titolo 1"/>
-          <p:cNvSpPr>
-            <a:spLocks noGrp="1"/>
-          </p:cNvSpPr>
-          <p:nvPr>
-            <p:ph type="title"/>
-          </p:nvPr>
-        </p:nvSpPr>
-        <p:spPr/>
-        <p:txBody>
-          <a:bodyPr/>
-          <a:lstStyle/>
-          <a:p>
-            <a:r>
-              <a:rPr lang="it-IT" dirty="0" smtClean="0"/>
-              <a:t>Funzioni per l’</a:t>
-            </a:r>
-            <a:r>
-              <a:rPr lang="it-IT" dirty="0" err="1" smtClean="0"/>
-              <a:t>admin</a:t>
-            </a:r>
-            <a:endParaRPr lang="it-IT" dirty="0"/>
-          </a:p>
-        </p:txBody>
-      </p:sp>
       <p:pic>
         <p:nvPicPr>
           <p:cNvPr id="5" name="Segnaposto contenuto 4"/>
@@ -10423,6 +10366,41 @@
           </a:xfrm>
         </p:spPr>
       </p:pic>
+      <p:sp>
+        <p:nvSpPr>
+          <p:cNvPr id="2" name="Titolo 1"/>
+          <p:cNvSpPr>
+            <a:spLocks noGrp="1"/>
+          </p:cNvSpPr>
+          <p:nvPr>
+            <p:ph type="title"/>
+          </p:nvPr>
+        </p:nvSpPr>
+        <p:spPr/>
+        <p:txBody>
+          <a:bodyPr/>
+          <a:lstStyle/>
+          <a:p>
+            <a:r>
+              <a:rPr lang="it-IT" dirty="0" smtClean="0"/>
+              <a:t>Funzioni per </a:t>
+            </a:r>
+            <a:r>
+              <a:rPr lang="it-IT" dirty="0" smtClean="0"/>
+              <a:t>l’</a:t>
+            </a:r>
+            <a:r>
+              <a:rPr lang="it-IT" dirty="0" err="1"/>
+              <a:t>A</a:t>
+            </a:r>
+            <a:r>
+              <a:rPr lang="it-IT" dirty="0" err="1" smtClean="0"/>
+              <a:t>dmin</a:t>
+            </a:r>
+            <a:endParaRPr lang="it-IT" dirty="0"/>
+          </a:p>
+        </p:txBody>
+      </p:sp>
     </p:spTree>
     <p:extLst>
       <p:ext uri="{BB962C8B-B14F-4D97-AF65-F5344CB8AC3E}">

--- a/Slide/Slide Alby.pptx
+++ b/Slide/Slide Alby.pptx
@@ -9077,16 +9077,12 @@
       </p:sp>
       <p:pic>
         <p:nvPicPr>
-          <p:cNvPr id="4" name="Segnaposto contenuto 3"/>
-          <p:cNvPicPr>
-            <a:picLocks noGrp="1"/>
-          </p:cNvPicPr>
-          <p:nvPr>
-            <p:ph idx="1"/>
-          </p:nvPr>
+          <p:cNvPr id="5" name="Immagine 4"/>
+          <p:cNvPicPr/>
+          <p:nvPr/>
         </p:nvPicPr>
-        <p:blipFill rotWithShape="1">
-          <a:blip r:embed="rId2" cstate="print">
+        <p:blipFill>
+          <a:blip r:embed="rId2">
             <a:clrChange>
               <a:clrFrom>
                 <a:srgbClr val="FFFFFF"/>
@@ -9103,19 +9099,186 @@
               </a:ext>
             </a:extLst>
           </a:blip>
-          <a:srcRect l="10727" b="23188"/>
-          <a:stretch/>
+          <a:stretch>
+            <a:fillRect/>
+          </a:stretch>
         </p:blipFill>
         <p:spPr>
           <a:xfrm>
-            <a:off x="3773510" y="1146219"/>
-            <a:ext cx="5821251" cy="5527462"/>
+            <a:off x="3773509" y="5331853"/>
+            <a:ext cx="5036638" cy="1376579"/>
           </a:xfrm>
           <a:prstGeom prst="rect">
             <a:avLst/>
           </a:prstGeom>
         </p:spPr>
       </p:pic>
+      <p:pic>
+        <p:nvPicPr>
+          <p:cNvPr id="6" name="Immagine 5" descr="C:\Users\Alberto\Documents\Alby\Università\Ingegneria del sofware\Ingegneria_Software_2014\Immagini\UsecaseOp.png"/>
+          <p:cNvPicPr/>
+          <p:nvPr/>
+        </p:nvPicPr>
+        <p:blipFill>
+          <a:blip r:embed="rId3">
+            <a:clrChange>
+              <a:clrFrom>
+                <a:srgbClr val="FFFFFF"/>
+              </a:clrFrom>
+              <a:clrTo>
+                <a:srgbClr val="FFFFFF">
+                  <a:alpha val="0"/>
+                </a:srgbClr>
+              </a:clrTo>
+            </a:clrChange>
+            <a:extLst>
+              <a:ext uri="{28A0092B-C50C-407E-A947-70E740481C1C}">
+                <a14:useLocalDpi xmlns:a14="http://schemas.microsoft.com/office/drawing/2010/main" val="0"/>
+              </a:ext>
+            </a:extLst>
+          </a:blip>
+          <a:srcRect/>
+          <a:stretch>
+            <a:fillRect/>
+          </a:stretch>
+        </p:blipFill>
+        <p:spPr bwMode="auto">
+          <a:xfrm>
+            <a:off x="3425780" y="3332341"/>
+            <a:ext cx="5101032" cy="1482309"/>
+          </a:xfrm>
+          <a:prstGeom prst="rect">
+            <a:avLst/>
+          </a:prstGeom>
+          <a:noFill/>
+          <a:ln>
+            <a:noFill/>
+          </a:ln>
+        </p:spPr>
+      </p:pic>
+      <p:pic>
+        <p:nvPicPr>
+          <p:cNvPr id="7" name="Immagine 6"/>
+          <p:cNvPicPr/>
+          <p:nvPr/>
+        </p:nvPicPr>
+        <p:blipFill rotWithShape="1">
+          <a:blip r:embed="rId4">
+            <a:extLst>
+              <a:ext uri="{28A0092B-C50C-407E-A947-70E740481C1C}">
+                <a14:useLocalDpi xmlns:a14="http://schemas.microsoft.com/office/drawing/2010/main" val="0"/>
+              </a:ext>
+            </a:extLst>
+          </a:blip>
+          <a:srcRect l="20883" t="11220" r="27387" b="58261"/>
+          <a:stretch/>
+        </p:blipFill>
+        <p:spPr>
+          <a:xfrm>
+            <a:off x="3773509" y="1105410"/>
+            <a:ext cx="5281336" cy="1906073"/>
+          </a:xfrm>
+          <a:prstGeom prst="rect">
+            <a:avLst/>
+          </a:prstGeom>
+        </p:spPr>
+      </p:pic>
+      <p:sp>
+        <p:nvSpPr>
+          <p:cNvPr id="8" name="Freccia in giù 7"/>
+          <p:cNvSpPr/>
+          <p:nvPr/>
+        </p:nvSpPr>
+        <p:spPr>
+          <a:xfrm flipV="1">
+            <a:off x="4146997" y="4814650"/>
+            <a:ext cx="231820" cy="476518"/>
+          </a:xfrm>
+          <a:prstGeom prst="downArrow">
+            <a:avLst/>
+          </a:prstGeom>
+          <a:solidFill>
+            <a:schemeClr val="tx1"/>
+          </a:solidFill>
+          <a:ln>
+            <a:solidFill>
+              <a:schemeClr val="bg1"/>
+            </a:solidFill>
+          </a:ln>
+        </p:spPr>
+        <p:style>
+          <a:lnRef idx="2">
+            <a:schemeClr val="accent1">
+              <a:shade val="50000"/>
+            </a:schemeClr>
+          </a:lnRef>
+          <a:fillRef idx="1">
+            <a:schemeClr val="accent1"/>
+          </a:fillRef>
+          <a:effectRef idx="0">
+            <a:schemeClr val="accent1"/>
+          </a:effectRef>
+          <a:fontRef idx="minor">
+            <a:schemeClr val="lt1"/>
+          </a:fontRef>
+        </p:style>
+        <p:txBody>
+          <a:bodyPr rtlCol="0" anchor="ctr"/>
+          <a:lstStyle/>
+          <a:p>
+            <a:pPr algn="ctr"/>
+            <a:endParaRPr lang="it-IT"/>
+          </a:p>
+        </p:txBody>
+      </p:sp>
+      <p:sp>
+        <p:nvSpPr>
+          <p:cNvPr id="9" name="Freccia in giù 8"/>
+          <p:cNvSpPr/>
+          <p:nvPr/>
+        </p:nvSpPr>
+        <p:spPr>
+          <a:xfrm flipV="1">
+            <a:off x="4146997" y="2793682"/>
+            <a:ext cx="231820" cy="476518"/>
+          </a:xfrm>
+          <a:prstGeom prst="downArrow">
+            <a:avLst/>
+          </a:prstGeom>
+          <a:solidFill>
+            <a:schemeClr val="tx1"/>
+          </a:solidFill>
+          <a:ln>
+            <a:solidFill>
+              <a:schemeClr val="bg1"/>
+            </a:solidFill>
+          </a:ln>
+        </p:spPr>
+        <p:style>
+          <a:lnRef idx="2">
+            <a:schemeClr val="accent1">
+              <a:shade val="50000"/>
+            </a:schemeClr>
+          </a:lnRef>
+          <a:fillRef idx="1">
+            <a:schemeClr val="accent1"/>
+          </a:fillRef>
+          <a:effectRef idx="0">
+            <a:schemeClr val="accent1"/>
+          </a:effectRef>
+          <a:fontRef idx="minor">
+            <a:schemeClr val="lt1"/>
+          </a:fontRef>
+        </p:style>
+        <p:txBody>
+          <a:bodyPr rtlCol="0" anchor="ctr"/>
+          <a:lstStyle/>
+          <a:p>
+            <a:pPr algn="ctr"/>
+            <a:endParaRPr lang="it-IT"/>
+          </a:p>
+        </p:txBody>
+      </p:sp>
     </p:spTree>
     <p:extLst>
       <p:ext uri="{BB962C8B-B14F-4D97-AF65-F5344CB8AC3E}">
@@ -10072,11 +10235,7 @@
           <a:p>
             <a:r>
               <a:rPr lang="it-IT" dirty="0" smtClean="0"/>
-              <a:t>Funzioni per </a:t>
-            </a:r>
-            <a:r>
-              <a:rPr lang="it-IT" dirty="0" smtClean="0"/>
-              <a:t>l’Utente</a:t>
+              <a:t>Funzioni per l’Utente</a:t>
             </a:r>
             <a:endParaRPr lang="it-IT" dirty="0"/>
           </a:p>
@@ -10084,13 +10243,9 @@
       </p:sp>
       <p:pic>
         <p:nvPicPr>
-          <p:cNvPr id="4" name="Segnaposto contenuto 3"/>
-          <p:cNvPicPr>
-            <a:picLocks noGrp="1"/>
-          </p:cNvPicPr>
-          <p:nvPr>
-            <p:ph idx="1"/>
-          </p:nvPr>
+          <p:cNvPr id="13" name="Immagine 12"/>
+          <p:cNvPicPr/>
+          <p:nvPr/>
         </p:nvPicPr>
         <p:blipFill>
           <a:blip r:embed="rId2">
@@ -10116,8 +10271,8 @@
         </p:blipFill>
         <p:spPr>
           <a:xfrm>
-            <a:off x="2253804" y="2021982"/>
-            <a:ext cx="8796269" cy="2897747"/>
+            <a:off x="2592925" y="2032903"/>
+            <a:ext cx="8254696" cy="2951222"/>
           </a:xfrm>
           <a:prstGeom prst="rect">
             <a:avLst/>
@@ -10244,11 +10399,7 @@
           <a:p>
             <a:r>
               <a:rPr lang="it-IT" dirty="0" smtClean="0"/>
-              <a:t>Funzioni per </a:t>
-            </a:r>
-            <a:r>
-              <a:rPr lang="it-IT" dirty="0" smtClean="0"/>
-              <a:t>l’Operatore</a:t>
+              <a:t>Funzioni per l’Operatore</a:t>
             </a:r>
             <a:endParaRPr lang="it-IT" dirty="0"/>
           </a:p>
@@ -10383,11 +10534,7 @@
           <a:p>
             <a:r>
               <a:rPr lang="it-IT" dirty="0" smtClean="0"/>
-              <a:t>Funzioni per </a:t>
-            </a:r>
-            <a:r>
-              <a:rPr lang="it-IT" dirty="0" smtClean="0"/>
-              <a:t>l’</a:t>
+              <a:t>Funzioni per l’</a:t>
             </a:r>
             <a:r>
               <a:rPr lang="it-IT" dirty="0" err="1"/>
